--- a/media/Master's thesis-3.pptx
+++ b/media/Master's thesis-3.pptx
@@ -384,7 +384,7 @@
             <a:fld id="{8D49A9A6-EEBE-4A10-B375-E3DE23A9130F}" type="datetimeFigureOut">
               <a:rPr lang="en-US" altLang="en-US"/>
               <a:pPr/>
-              <a:t>12/19/2014</a:t>
+              <a:t>12/21/2014</a:t>
             </a:fld>
             <a:endParaRPr lang="en-US" altLang="en-US"/>
           </a:p>
@@ -538,7 +538,7 @@
           <a:effectLst/>
           <a:extLst>
             <a:ext uri="{91240B29-F687-4f45-9708-019B960494DF}">
-              <a14:hiddenLine xmlns:a14="http://schemas.microsoft.com/office/drawing/2010/main" xmlns="" w="9525">
+              <a14:hiddenLine xmlns="" xmlns:a14="http://schemas.microsoft.com/office/drawing/2010/main" w="9525">
                 <a:solidFill>
                   <a:srgbClr val="000000"/>
                 </a:solidFill>
@@ -548,7 +548,7 @@
               </a14:hiddenLine>
             </a:ext>
             <a:ext uri="{AF507438-7753-43e0-B8FC-AC1667EBCBE1}">
-              <a14:hiddenEffects xmlns:a14="http://schemas.microsoft.com/office/drawing/2010/main" xmlns="">
+              <a14:hiddenEffects xmlns="" xmlns:a14="http://schemas.microsoft.com/office/drawing/2010/main">
                 <a:effectLst>
                   <a:outerShdw blurRad="63500" dist="38099" dir="2700000" algn="ctr" rotWithShape="0">
                     <a:srgbClr val="000000">
@@ -600,14 +600,14 @@
           <a:effectLst/>
           <a:extLst>
             <a:ext uri="{909E8E84-426E-40dd-AFC4-6F175D3DCCD1}">
-              <a14:hiddenFill xmlns:a14="http://schemas.microsoft.com/office/drawing/2010/main" xmlns="">
+              <a14:hiddenFill xmlns="" xmlns:a14="http://schemas.microsoft.com/office/drawing/2010/main">
                 <a:solidFill>
                   <a:srgbClr val="FFFFFF"/>
                 </a:solidFill>
               </a14:hiddenFill>
             </a:ext>
             <a:ext uri="{91240B29-F687-4f45-9708-019B960494DF}">
-              <a14:hiddenLine xmlns:a14="http://schemas.microsoft.com/office/drawing/2010/main" xmlns="" w="9525">
+              <a14:hiddenLine xmlns="" xmlns:a14="http://schemas.microsoft.com/office/drawing/2010/main" w="9525">
                 <a:solidFill>
                   <a:srgbClr val="000000"/>
                 </a:solidFill>
@@ -617,7 +617,7 @@
               </a14:hiddenLine>
             </a:ext>
             <a:ext uri="{AF507438-7753-43e0-B8FC-AC1667EBCBE1}">
-              <a14:hiddenEffects xmlns:a14="http://schemas.microsoft.com/office/drawing/2010/main" xmlns="">
+              <a14:hiddenEffects xmlns="" xmlns:a14="http://schemas.microsoft.com/office/drawing/2010/main">
                 <a:effectLst>
                   <a:outerShdw blurRad="63500" dist="38099" dir="2700000" algn="ctr" rotWithShape="0">
                     <a:srgbClr val="000000">
@@ -669,14 +669,14 @@
           <a:effectLst/>
           <a:extLst>
             <a:ext uri="{909E8E84-426E-40dd-AFC4-6F175D3DCCD1}">
-              <a14:hiddenFill xmlns:a14="http://schemas.microsoft.com/office/drawing/2010/main" xmlns="">
+              <a14:hiddenFill xmlns="" xmlns:a14="http://schemas.microsoft.com/office/drawing/2010/main">
                 <a:solidFill>
                   <a:srgbClr val="FFFFFF"/>
                 </a:solidFill>
               </a14:hiddenFill>
             </a:ext>
             <a:ext uri="{91240B29-F687-4f45-9708-019B960494DF}">
-              <a14:hiddenLine xmlns:a14="http://schemas.microsoft.com/office/drawing/2010/main" xmlns="" w="9525">
+              <a14:hiddenLine xmlns="" xmlns:a14="http://schemas.microsoft.com/office/drawing/2010/main" w="9525">
                 <a:solidFill>
                   <a:srgbClr val="000000"/>
                 </a:solidFill>
@@ -686,7 +686,7 @@
               </a14:hiddenLine>
             </a:ext>
             <a:ext uri="{AF507438-7753-43e0-B8FC-AC1667EBCBE1}">
-              <a14:hiddenEffects xmlns:a14="http://schemas.microsoft.com/office/drawing/2010/main" xmlns="">
+              <a14:hiddenEffects xmlns="" xmlns:a14="http://schemas.microsoft.com/office/drawing/2010/main">
                 <a:effectLst>
                   <a:outerShdw blurRad="63500" dist="38099" dir="2700000" algn="ctr" rotWithShape="0">
                     <a:srgbClr val="000000">
@@ -745,14 +745,14 @@
           <a:effectLst/>
           <a:extLst>
             <a:ext uri="{909E8E84-426E-40dd-AFC4-6F175D3DCCD1}">
-              <a14:hiddenFill xmlns:a14="http://schemas.microsoft.com/office/drawing/2010/main" xmlns="">
+              <a14:hiddenFill xmlns="" xmlns:a14="http://schemas.microsoft.com/office/drawing/2010/main">
                 <a:solidFill>
                   <a:srgbClr val="FFFFFF"/>
                 </a:solidFill>
               </a14:hiddenFill>
             </a:ext>
             <a:ext uri="{AF507438-7753-43e0-B8FC-AC1667EBCBE1}">
-              <a14:hiddenEffects xmlns:a14="http://schemas.microsoft.com/office/drawing/2010/main" xmlns="">
+              <a14:hiddenEffects xmlns="" xmlns:a14="http://schemas.microsoft.com/office/drawing/2010/main">
                 <a:effectLst>
                   <a:outerShdw blurRad="63500" dist="38099" dir="2700000" algn="ctr" rotWithShape="0">
                     <a:schemeClr val="bg2">
@@ -763,7 +763,7 @@
               </a14:hiddenEffects>
             </a:ext>
             <a:ext uri="{FAA26D3D-D897-4be2-8F04-BA451C77F1D7}">
-              <ma14:placeholderFlag xmlns:ma14="http://schemas.microsoft.com/office/mac/drawingml/2011/main" xmlns="" val="1"/>
+              <ma14:placeholderFlag xmlns="" xmlns:ma14="http://schemas.microsoft.com/office/mac/drawingml/2011/main" val="1"/>
             </a:ext>
           </a:extLst>
         </p:spPr>
@@ -793,14 +793,14 @@
           <a:effectLst/>
           <a:extLst>
             <a:ext uri="{909E8E84-426E-40dd-AFC4-6F175D3DCCD1}">
-              <a14:hiddenFill xmlns:a14="http://schemas.microsoft.com/office/drawing/2010/main" xmlns="">
+              <a14:hiddenFill xmlns="" xmlns:a14="http://schemas.microsoft.com/office/drawing/2010/main">
                 <a:solidFill>
                   <a:srgbClr val="FFFFFF"/>
                 </a:solidFill>
               </a14:hiddenFill>
             </a:ext>
             <a:ext uri="{91240B29-F687-4f45-9708-019B960494DF}">
-              <a14:hiddenLine xmlns:a14="http://schemas.microsoft.com/office/drawing/2010/main" xmlns="" w="9525">
+              <a14:hiddenLine xmlns="" xmlns:a14="http://schemas.microsoft.com/office/drawing/2010/main" w="9525">
                 <a:solidFill>
                   <a:srgbClr val="000000"/>
                 </a:solidFill>
@@ -810,7 +810,7 @@
               </a14:hiddenLine>
             </a:ext>
             <a:ext uri="{AF507438-7753-43e0-B8FC-AC1667EBCBE1}">
-              <a14:hiddenEffects xmlns:a14="http://schemas.microsoft.com/office/drawing/2010/main" xmlns="">
+              <a14:hiddenEffects xmlns="" xmlns:a14="http://schemas.microsoft.com/office/drawing/2010/main">
                 <a:effectLst>
                   <a:outerShdw blurRad="63500" dist="38099" dir="2700000" algn="ctr" rotWithShape="0">
                     <a:schemeClr val="bg2">
@@ -821,7 +821,7 @@
               </a14:hiddenEffects>
             </a:ext>
             <a:ext uri="{FAA26D3D-D897-4be2-8F04-BA451C77F1D7}">
-              <ma14:placeholderFlag xmlns:ma14="http://schemas.microsoft.com/office/mac/drawingml/2011/main" xmlns="" val="1"/>
+              <ma14:placeholderFlag xmlns="" xmlns:ma14="http://schemas.microsoft.com/office/mac/drawingml/2011/main" val="1"/>
             </a:ext>
           </a:extLst>
         </p:spPr>
@@ -861,14 +861,14 @@
           <a:effectLst/>
           <a:extLst>
             <a:ext uri="{909E8E84-426E-40dd-AFC4-6F175D3DCCD1}">
-              <a14:hiddenFill xmlns:a14="http://schemas.microsoft.com/office/drawing/2010/main" xmlns="">
+              <a14:hiddenFill xmlns="" xmlns:a14="http://schemas.microsoft.com/office/drawing/2010/main">
                 <a:solidFill>
                   <a:srgbClr val="FFFFFF"/>
                 </a:solidFill>
               </a14:hiddenFill>
             </a:ext>
             <a:ext uri="{91240B29-F687-4f45-9708-019B960494DF}">
-              <a14:hiddenLine xmlns:a14="http://schemas.microsoft.com/office/drawing/2010/main" xmlns="" w="9525">
+              <a14:hiddenLine xmlns="" xmlns:a14="http://schemas.microsoft.com/office/drawing/2010/main" w="9525">
                 <a:solidFill>
                   <a:srgbClr val="000000"/>
                 </a:solidFill>
@@ -878,7 +878,7 @@
               </a14:hiddenLine>
             </a:ext>
             <a:ext uri="{AF507438-7753-43e0-B8FC-AC1667EBCBE1}">
-              <a14:hiddenEffects xmlns:a14="http://schemas.microsoft.com/office/drawing/2010/main" xmlns="">
+              <a14:hiddenEffects xmlns="" xmlns:a14="http://schemas.microsoft.com/office/drawing/2010/main">
                 <a:effectLst>
                   <a:outerShdw blurRad="63500" dist="38099" dir="2700000" algn="ctr" rotWithShape="0">
                     <a:srgbClr val="000000">
@@ -932,14 +932,14 @@
           <a:effectLst/>
           <a:extLst>
             <a:ext uri="{909E8E84-426E-40dd-AFC4-6F175D3DCCD1}">
-              <a14:hiddenFill xmlns:a14="http://schemas.microsoft.com/office/drawing/2010/main" xmlns="">
+              <a14:hiddenFill xmlns="" xmlns:a14="http://schemas.microsoft.com/office/drawing/2010/main">
                 <a:solidFill>
                   <a:srgbClr val="FFFFFF"/>
                 </a:solidFill>
               </a14:hiddenFill>
             </a:ext>
             <a:ext uri="{91240B29-F687-4f45-9708-019B960494DF}">
-              <a14:hiddenLine xmlns:a14="http://schemas.microsoft.com/office/drawing/2010/main" xmlns="" w="9525">
+              <a14:hiddenLine xmlns="" xmlns:a14="http://schemas.microsoft.com/office/drawing/2010/main" w="9525">
                 <a:solidFill>
                   <a:srgbClr val="000000"/>
                 </a:solidFill>
@@ -949,7 +949,7 @@
               </a14:hiddenLine>
             </a:ext>
             <a:ext uri="{AF507438-7753-43e0-B8FC-AC1667EBCBE1}">
-              <a14:hiddenEffects xmlns:a14="http://schemas.microsoft.com/office/drawing/2010/main" xmlns="">
+              <a14:hiddenEffects xmlns="" xmlns:a14="http://schemas.microsoft.com/office/drawing/2010/main">
                 <a:effectLst>
                   <a:outerShdw blurRad="63500" dist="38099" dir="2700000" algn="ctr" rotWithShape="0">
                     <a:schemeClr val="bg2">
@@ -960,7 +960,7 @@
               </a14:hiddenEffects>
             </a:ext>
             <a:ext uri="{FAA26D3D-D897-4be2-8F04-BA451C77F1D7}">
-              <ma14:placeholderFlag xmlns:ma14="http://schemas.microsoft.com/office/mac/drawingml/2011/main" xmlns="" val="1"/>
+              <ma14:placeholderFlag xmlns="" xmlns:ma14="http://schemas.microsoft.com/office/mac/drawingml/2011/main" val="1"/>
             </a:ext>
           </a:extLst>
         </p:spPr>
@@ -2520,14 +2520,14 @@
         <p:spPr>
           <a:extLst>
             <a:ext uri="{909E8E84-426E-40dd-AFC4-6F175D3DCCD1}">
-              <a14:hiddenFill xmlns:a14="http://schemas.microsoft.com/office/drawing/2010/main" xmlns="">
+              <a14:hiddenFill xmlns="" xmlns:a14="http://schemas.microsoft.com/office/drawing/2010/main">
                 <a:solidFill>
                   <a:srgbClr val="FFFFFF"/>
                 </a:solidFill>
               </a14:hiddenFill>
             </a:ext>
             <a:ext uri="{91240B29-F687-4f45-9708-019B960494DF}">
-              <a14:hiddenLine xmlns:a14="http://schemas.microsoft.com/office/drawing/2010/main" xmlns="" w="9525">
+              <a14:hiddenLine xmlns="" xmlns:a14="http://schemas.microsoft.com/office/drawing/2010/main" w="9525">
                 <a:solidFill>
                   <a:srgbClr val="000000"/>
                 </a:solidFill>
@@ -2537,7 +2537,7 @@
               </a14:hiddenLine>
             </a:ext>
             <a:ext uri="{AF507438-7753-43e0-B8FC-AC1667EBCBE1}">
-              <a14:hiddenEffects xmlns:a14="http://schemas.microsoft.com/office/drawing/2010/main" xmlns="">
+              <a14:hiddenEffects xmlns="" xmlns:a14="http://schemas.microsoft.com/office/drawing/2010/main">
                 <a:effectLst>
                   <a:outerShdw blurRad="63500" dist="38099" dir="2700000" algn="ctr" rotWithShape="0">
                     <a:schemeClr val="bg2">
@@ -2548,7 +2548,7 @@
               </a14:hiddenEffects>
             </a:ext>
             <a:ext uri="{FAA26D3D-D897-4be2-8F04-BA451C77F1D7}">
-              <ma14:placeholderFlag xmlns:ma14="http://schemas.microsoft.com/office/mac/drawingml/2011/main" xmlns="" val="1"/>
+              <ma14:placeholderFlag xmlns="" xmlns:ma14="http://schemas.microsoft.com/office/mac/drawingml/2011/main" val="1"/>
             </a:ext>
           </a:extLst>
         </p:spPr>
@@ -2900,14 +2900,14 @@
         <p:spPr>
           <a:extLst>
             <a:ext uri="{909E8E84-426E-40dd-AFC4-6F175D3DCCD1}">
-              <a14:hiddenFill xmlns:a14="http://schemas.microsoft.com/office/drawing/2010/main" xmlns="">
+              <a14:hiddenFill xmlns="" xmlns:a14="http://schemas.microsoft.com/office/drawing/2010/main">
                 <a:solidFill>
                   <a:srgbClr val="FFFFFF"/>
                 </a:solidFill>
               </a14:hiddenFill>
             </a:ext>
             <a:ext uri="{91240B29-F687-4f45-9708-019B960494DF}">
-              <a14:hiddenLine xmlns:a14="http://schemas.microsoft.com/office/drawing/2010/main" xmlns="" w="9525">
+              <a14:hiddenLine xmlns="" xmlns:a14="http://schemas.microsoft.com/office/drawing/2010/main" w="9525">
                 <a:solidFill>
                   <a:srgbClr val="000000"/>
                 </a:solidFill>
@@ -2917,7 +2917,7 @@
               </a14:hiddenLine>
             </a:ext>
             <a:ext uri="{AF507438-7753-43e0-B8FC-AC1667EBCBE1}">
-              <a14:hiddenEffects xmlns:a14="http://schemas.microsoft.com/office/drawing/2010/main" xmlns="">
+              <a14:hiddenEffects xmlns="" xmlns:a14="http://schemas.microsoft.com/office/drawing/2010/main">
                 <a:effectLst>
                   <a:outerShdw blurRad="63500" dist="38099" dir="2700000" algn="ctr" rotWithShape="0">
                     <a:schemeClr val="bg2">
@@ -2928,7 +2928,7 @@
               </a14:hiddenEffects>
             </a:ext>
             <a:ext uri="{FAA26D3D-D897-4be2-8F04-BA451C77F1D7}">
-              <ma14:placeholderFlag xmlns:ma14="http://schemas.microsoft.com/office/mac/drawingml/2011/main" xmlns="" val="1"/>
+              <ma14:placeholderFlag xmlns="" xmlns:ma14="http://schemas.microsoft.com/office/mac/drawingml/2011/main" val="1"/>
             </a:ext>
           </a:extLst>
         </p:spPr>
@@ -3280,14 +3280,14 @@
         <p:spPr>
           <a:extLst>
             <a:ext uri="{909E8E84-426E-40dd-AFC4-6F175D3DCCD1}">
-              <a14:hiddenFill xmlns:a14="http://schemas.microsoft.com/office/drawing/2010/main" xmlns="">
+              <a14:hiddenFill xmlns="" xmlns:a14="http://schemas.microsoft.com/office/drawing/2010/main">
                 <a:solidFill>
                   <a:srgbClr val="FFFFFF"/>
                 </a:solidFill>
               </a14:hiddenFill>
             </a:ext>
             <a:ext uri="{91240B29-F687-4f45-9708-019B960494DF}">
-              <a14:hiddenLine xmlns:a14="http://schemas.microsoft.com/office/drawing/2010/main" xmlns="" w="9525">
+              <a14:hiddenLine xmlns="" xmlns:a14="http://schemas.microsoft.com/office/drawing/2010/main" w="9525">
                 <a:solidFill>
                   <a:srgbClr val="000000"/>
                 </a:solidFill>
@@ -3297,7 +3297,7 @@
               </a14:hiddenLine>
             </a:ext>
             <a:ext uri="{AF507438-7753-43e0-B8FC-AC1667EBCBE1}">
-              <a14:hiddenEffects xmlns:a14="http://schemas.microsoft.com/office/drawing/2010/main" xmlns="">
+              <a14:hiddenEffects xmlns="" xmlns:a14="http://schemas.microsoft.com/office/drawing/2010/main">
                 <a:effectLst>
                   <a:outerShdw blurRad="63500" dist="38099" dir="2700000" algn="ctr" rotWithShape="0">
                     <a:schemeClr val="bg2">
@@ -3308,7 +3308,7 @@
               </a14:hiddenEffects>
             </a:ext>
             <a:ext uri="{FAA26D3D-D897-4be2-8F04-BA451C77F1D7}">
-              <ma14:placeholderFlag xmlns:ma14="http://schemas.microsoft.com/office/mac/drawingml/2011/main" xmlns="" val="1"/>
+              <ma14:placeholderFlag xmlns="" xmlns:ma14="http://schemas.microsoft.com/office/mac/drawingml/2011/main" val="1"/>
             </a:ext>
           </a:extLst>
         </p:spPr>
@@ -6157,7 +6157,7 @@
           <a:effectLst/>
           <a:extLst>
             <a:ext uri="{91240B29-F687-4f45-9708-019B960494DF}">
-              <a14:hiddenLine xmlns:a14="http://schemas.microsoft.com/office/drawing/2010/main" xmlns="" w="9525">
+              <a14:hiddenLine xmlns="" xmlns:a14="http://schemas.microsoft.com/office/drawing/2010/main" w="9525">
                 <a:solidFill>
                   <a:srgbClr val="000000"/>
                 </a:solidFill>
@@ -6167,7 +6167,7 @@
               </a14:hiddenLine>
             </a:ext>
             <a:ext uri="{AF507438-7753-43e0-B8FC-AC1667EBCBE1}">
-              <a14:hiddenEffects xmlns:a14="http://schemas.microsoft.com/office/drawing/2010/main" xmlns="">
+              <a14:hiddenEffects xmlns="" xmlns:a14="http://schemas.microsoft.com/office/drawing/2010/main">
                 <a:effectLst>
                   <a:outerShdw blurRad="63500" dist="38099" dir="2700000" algn="ctr" rotWithShape="0">
                     <a:srgbClr val="000000">
@@ -6220,7 +6220,7 @@
           <a:effectLst/>
           <a:extLst>
             <a:ext uri="{91240B29-F687-4f45-9708-019B960494DF}">
-              <a14:hiddenLine xmlns:a14="http://schemas.microsoft.com/office/drawing/2010/main" xmlns="" w="9525">
+              <a14:hiddenLine xmlns="" xmlns:a14="http://schemas.microsoft.com/office/drawing/2010/main" w="9525">
                 <a:solidFill>
                   <a:srgbClr val="000000"/>
                 </a:solidFill>
@@ -6230,7 +6230,7 @@
               </a14:hiddenLine>
             </a:ext>
             <a:ext uri="{AF507438-7753-43e0-B8FC-AC1667EBCBE1}">
-              <a14:hiddenEffects xmlns:a14="http://schemas.microsoft.com/office/drawing/2010/main" xmlns="">
+              <a14:hiddenEffects xmlns="" xmlns:a14="http://schemas.microsoft.com/office/drawing/2010/main">
                 <a:effectLst>
                   <a:outerShdw blurRad="63500" dist="38099" dir="2700000" algn="ctr" rotWithShape="0">
                     <a:srgbClr val="000000">
@@ -6285,7 +6285,7 @@
           <a:effectLst/>
           <a:extLst>
             <a:ext uri="{91240B29-F687-4f45-9708-019B960494DF}">
-              <a14:hiddenLine xmlns:a14="http://schemas.microsoft.com/office/drawing/2010/main" xmlns="" w="9525">
+              <a14:hiddenLine xmlns="" xmlns:a14="http://schemas.microsoft.com/office/drawing/2010/main" w="9525">
                 <a:solidFill>
                   <a:srgbClr val="000000"/>
                 </a:solidFill>
@@ -6295,7 +6295,7 @@
               </a14:hiddenLine>
             </a:ext>
             <a:ext uri="{AF507438-7753-43e0-B8FC-AC1667EBCBE1}">
-              <a14:hiddenEffects xmlns:a14="http://schemas.microsoft.com/office/drawing/2010/main" xmlns="">
+              <a14:hiddenEffects xmlns="" xmlns:a14="http://schemas.microsoft.com/office/drawing/2010/main">
                 <a:effectLst>
                   <a:outerShdw blurRad="63500" dist="38099" dir="2700000" algn="ctr" rotWithShape="0">
                     <a:srgbClr val="000000">
@@ -6359,7 +6359,7 @@
           <a:effectLst/>
           <a:extLst>
             <a:ext uri="{909E8E84-426E-40dd-AFC4-6F175D3DCCD1}">
-              <a14:hiddenFill xmlns:a14="http://schemas.microsoft.com/office/drawing/2010/main" xmlns="">
+              <a14:hiddenFill xmlns="" xmlns:a14="http://schemas.microsoft.com/office/drawing/2010/main">
                 <a:blipFill dpi="0" rotWithShape="0">
                   <a:blip xmlns:r="http://schemas.openxmlformats.org/officeDocument/2006/relationships"/>
                   <a:srcRect/>
@@ -6370,7 +6370,7 @@
               </a14:hiddenFill>
             </a:ext>
             <a:ext uri="{91240B29-F687-4f45-9708-019B960494DF}">
-              <a14:hiddenLine xmlns:a14="http://schemas.microsoft.com/office/drawing/2010/main" xmlns="" w="9525">
+              <a14:hiddenLine xmlns="" xmlns:a14="http://schemas.microsoft.com/office/drawing/2010/main" w="9525">
                 <a:solidFill>
                   <a:srgbClr val="000000"/>
                 </a:solidFill>
@@ -6380,7 +6380,7 @@
               </a14:hiddenLine>
             </a:ext>
             <a:ext uri="{AF507438-7753-43e0-B8FC-AC1667EBCBE1}">
-              <a14:hiddenEffects xmlns:a14="http://schemas.microsoft.com/office/drawing/2010/main" xmlns="">
+              <a14:hiddenEffects xmlns="" xmlns:a14="http://schemas.microsoft.com/office/drawing/2010/main">
                 <a:effectLst>
                   <a:outerShdw blurRad="63500" dist="38099" dir="2700000" algn="ctr" rotWithShape="0">
                     <a:srgbClr val="000000">
@@ -6418,14 +6418,14 @@
           <a:effectLst/>
           <a:extLst>
             <a:ext uri="{909E8E84-426E-40dd-AFC4-6F175D3DCCD1}">
-              <a14:hiddenFill xmlns:a14="http://schemas.microsoft.com/office/drawing/2010/main" xmlns="">
+              <a14:hiddenFill xmlns="" xmlns:a14="http://schemas.microsoft.com/office/drawing/2010/main">
                 <a:solidFill>
                   <a:srgbClr val="FFFFFF"/>
                 </a:solidFill>
               </a14:hiddenFill>
             </a:ext>
             <a:ext uri="{91240B29-F687-4f45-9708-019B960494DF}">
-              <a14:hiddenLine xmlns:a14="http://schemas.microsoft.com/office/drawing/2010/main" xmlns="" w="9525">
+              <a14:hiddenLine xmlns="" xmlns:a14="http://schemas.microsoft.com/office/drawing/2010/main" w="9525">
                 <a:solidFill>
                   <a:srgbClr val="000000"/>
                 </a:solidFill>
@@ -6435,7 +6435,7 @@
               </a14:hiddenLine>
             </a:ext>
             <a:ext uri="{AF507438-7753-43e0-B8FC-AC1667EBCBE1}">
-              <a14:hiddenEffects xmlns:a14="http://schemas.microsoft.com/office/drawing/2010/main" xmlns="">
+              <a14:hiddenEffects xmlns="" xmlns:a14="http://schemas.microsoft.com/office/drawing/2010/main">
                 <a:effectLst>
                   <a:outerShdw blurRad="63500" dist="38099" dir="2700000" algn="ctr" rotWithShape="0">
                     <a:schemeClr val="bg2">
@@ -6446,7 +6446,7 @@
               </a14:hiddenEffects>
             </a:ext>
             <a:ext uri="{FAA26D3D-D897-4be2-8F04-BA451C77F1D7}">
-              <ma14:placeholderFlag xmlns:ma14="http://schemas.microsoft.com/office/mac/drawingml/2011/main" xmlns="" val="1"/>
+              <ma14:placeholderFlag xmlns="" xmlns:ma14="http://schemas.microsoft.com/office/mac/drawingml/2011/main" val="1"/>
             </a:ext>
           </a:extLst>
         </p:spPr>
@@ -6547,14 +6547,14 @@
           <a:effectLst/>
           <a:extLst>
             <a:ext uri="{909E8E84-426E-40dd-AFC4-6F175D3DCCD1}">
-              <a14:hiddenFill xmlns:a14="http://schemas.microsoft.com/office/drawing/2010/main" xmlns="">
+              <a14:hiddenFill xmlns="" xmlns:a14="http://schemas.microsoft.com/office/drawing/2010/main">
                 <a:solidFill>
                   <a:srgbClr val="FFFFFF"/>
                 </a:solidFill>
               </a14:hiddenFill>
             </a:ext>
             <a:ext uri="{91240B29-F687-4f45-9708-019B960494DF}">
-              <a14:hiddenLine xmlns:a14="http://schemas.microsoft.com/office/drawing/2010/main" xmlns="" w="9525">
+              <a14:hiddenLine xmlns="" xmlns:a14="http://schemas.microsoft.com/office/drawing/2010/main" w="9525">
                 <a:solidFill>
                   <a:srgbClr val="000000"/>
                 </a:solidFill>
@@ -6564,7 +6564,7 @@
               </a14:hiddenLine>
             </a:ext>
             <a:ext uri="{AF507438-7753-43e0-B8FC-AC1667EBCBE1}">
-              <a14:hiddenEffects xmlns:a14="http://schemas.microsoft.com/office/drawing/2010/main" xmlns="">
+              <a14:hiddenEffects xmlns="" xmlns:a14="http://schemas.microsoft.com/office/drawing/2010/main">
                 <a:effectLst>
                   <a:outerShdw blurRad="63500" dist="38099" dir="2700000" algn="ctr" rotWithShape="0">
                     <a:schemeClr val="bg2">
@@ -6575,7 +6575,7 @@
               </a14:hiddenEffects>
             </a:ext>
             <a:ext uri="{FAA26D3D-D897-4be2-8F04-BA451C77F1D7}">
-              <ma14:placeholderFlag xmlns:ma14="http://schemas.microsoft.com/office/mac/drawingml/2011/main" xmlns="" val="1"/>
+              <ma14:placeholderFlag xmlns="" xmlns:ma14="http://schemas.microsoft.com/office/mac/drawingml/2011/main" val="1"/>
             </a:ext>
           </a:extLst>
         </p:spPr>
@@ -7231,7 +7231,7 @@
           <a:effectLst/>
           <a:extLst>
             <a:ext uri="{AF507438-7753-43e0-B8FC-AC1667EBCBE1}">
-              <a14:hiddenEffects xmlns:a14="http://schemas.microsoft.com/office/drawing/2010/main" xmlns="">
+              <a14:hiddenEffects xmlns="" xmlns:a14="http://schemas.microsoft.com/office/drawing/2010/main">
                 <a:effectLst>
                   <a:outerShdw blurRad="63500" dist="38099" dir="2700000" algn="ctr" rotWithShape="0">
                     <a:schemeClr val="bg2">
@@ -8763,7 +8763,7 @@
           <a:effectLst/>
           <a:extLst>
             <a:ext uri="{AF507438-7753-43e0-B8FC-AC1667EBCBE1}">
-              <a14:hiddenEffects xmlns:a14="http://schemas.microsoft.com/office/drawing/2010/main" xmlns="">
+              <a14:hiddenEffects xmlns="" xmlns:a14="http://schemas.microsoft.com/office/drawing/2010/main">
                 <a:effectLst>
                   <a:outerShdw blurRad="63500" dist="38099" dir="2700000" algn="ctr" rotWithShape="0">
                     <a:schemeClr val="bg2">
@@ -9208,7 +9208,7 @@
           <a:effectLst/>
           <a:extLst>
             <a:ext uri="{AF507438-7753-43e0-B8FC-AC1667EBCBE1}">
-              <a14:hiddenEffects xmlns:a14="http://schemas.microsoft.com/office/drawing/2010/main" xmlns="">
+              <a14:hiddenEffects xmlns="" xmlns:a14="http://schemas.microsoft.com/office/drawing/2010/main">
                 <a:effectLst>
                   <a:outerShdw blurRad="63500" dist="38099" dir="2700000" algn="ctr" rotWithShape="0">
                     <a:schemeClr val="bg2">
@@ -11795,7 +11795,7 @@
           <a:effectLst/>
           <a:extLst>
             <a:ext uri="{AF507438-7753-43e0-B8FC-AC1667EBCBE1}">
-              <a14:hiddenEffects xmlns:a14="http://schemas.microsoft.com/office/drawing/2010/main" xmlns="">
+              <a14:hiddenEffects xmlns="" xmlns:a14="http://schemas.microsoft.com/office/drawing/2010/main">
                 <a:effectLst>
                   <a:outerShdw blurRad="63500" dist="38099" dir="2700000" algn="ctr" rotWithShape="0">
                     <a:schemeClr val="bg2">
@@ -12058,14 +12058,14 @@
           <a:effectLst/>
           <a:extLst>
             <a:ext uri="{909E8E84-426E-40dd-AFC4-6F175D3DCCD1}">
-              <a14:hiddenFill xmlns:a14="http://schemas.microsoft.com/office/drawing/2010/main" xmlns="">
+              <a14:hiddenFill xmlns="" xmlns:a14="http://schemas.microsoft.com/office/drawing/2010/main">
                 <a:solidFill>
                   <a:srgbClr val="FFFFFF"/>
                 </a:solidFill>
               </a14:hiddenFill>
             </a:ext>
             <a:ext uri="{91240B29-F687-4f45-9708-019B960494DF}">
-              <a14:hiddenLine xmlns:a14="http://schemas.microsoft.com/office/drawing/2010/main" xmlns="" w="9525">
+              <a14:hiddenLine xmlns="" xmlns:a14="http://schemas.microsoft.com/office/drawing/2010/main" w="9525">
                 <a:solidFill>
                   <a:srgbClr val="000000"/>
                 </a:solidFill>
@@ -12075,7 +12075,7 @@
               </a14:hiddenLine>
             </a:ext>
             <a:ext uri="{AF507438-7753-43e0-B8FC-AC1667EBCBE1}">
-              <a14:hiddenEffects xmlns:a14="http://schemas.microsoft.com/office/drawing/2010/main" xmlns="">
+              <a14:hiddenEffects xmlns="" xmlns:a14="http://schemas.microsoft.com/office/drawing/2010/main">
                 <a:effectLst>
                   <a:outerShdw blurRad="63500" dist="38099" dir="2700000" algn="ctr" rotWithShape="0">
                     <a:schemeClr val="bg2">
@@ -12086,7 +12086,7 @@
               </a14:hiddenEffects>
             </a:ext>
             <a:ext uri="{FAA26D3D-D897-4be2-8F04-BA451C77F1D7}">
-              <ma14:placeholderFlag xmlns:ma14="http://schemas.microsoft.com/office/mac/drawingml/2011/main" xmlns="" val="1"/>
+              <ma14:placeholderFlag xmlns="" xmlns:ma14="http://schemas.microsoft.com/office/mac/drawingml/2011/main" val="1"/>
             </a:ext>
           </a:extLst>
         </p:spPr>
@@ -14113,42 +14113,14 @@
                   </a:schemeClr>
                 </a:solidFill>
               </a:rPr>
-              <a:t>“Bachelors </a:t>
-            </a:r>
-            <a:r>
-              <a:rPr lang="en-US" sz="2400" dirty="0" smtClean="0">
-                <a:solidFill>
-                  <a:schemeClr val="accent1">
-                    <a:lumMod val="75000"/>
-                  </a:schemeClr>
-                </a:solidFill>
-              </a:rPr>
-              <a:t>degree in computer science or information systems </a:t>
-            </a:r>
-            <a:r>
-              <a:rPr lang="en-US" sz="2400" dirty="0" smtClean="0">
-                <a:solidFill>
-                  <a:schemeClr val="accent1">
-                    <a:lumMod val="75000"/>
-                  </a:schemeClr>
-                </a:solidFill>
-              </a:rPr>
-              <a:t>“</a:t>
-            </a:r>
-            <a:endParaRPr lang="en-US" sz="2400" dirty="0" smtClean="0">
-              <a:solidFill>
-                <a:schemeClr val="accent1">
-                  <a:lumMod val="75000"/>
-                </a:schemeClr>
-              </a:solidFill>
-            </a:endParaRPr>
+              <a:t>“Bachelors degree in computer science or information systems “</a:t>
+            </a:r>
           </a:p>
           <a:p>
             <a:r>
               <a:rPr lang="en-US" sz="2400" dirty="0" smtClean="0"/>
               <a:t>is labeled to: </a:t>
             </a:r>
-            <a:endParaRPr lang="en-US" sz="2400" dirty="0" smtClean="0"/>
           </a:p>
           <a:p>
             <a:r>
@@ -14632,8 +14604,8 @@
         </p:nvSpPr>
         <p:spPr>
           <a:xfrm>
-            <a:off x="649458" y="2209800"/>
-            <a:ext cx="7011663" cy="461665"/>
+            <a:off x="649458" y="2057400"/>
+            <a:ext cx="7011663" cy="830997"/>
           </a:xfrm>
           <a:prstGeom prst="rect">
             <a:avLst/>
@@ -14649,18 +14621,20 @@
             <a:r>
               <a:rPr lang="en-US" dirty="0" smtClean="0">
                 <a:solidFill>
+                  <a:schemeClr val="tx1"/>
+                </a:solidFill>
+              </a:rPr>
+              <a:t>Pattern: </a:t>
+            </a:r>
+          </a:p>
+          <a:p>
+            <a:r>
+              <a:rPr lang="en-US" dirty="0" smtClean="0">
+                <a:solidFill>
                   <a:srgbClr val="0066FF"/>
                 </a:solidFill>
               </a:rPr>
-              <a:t>DE_LEVEL </a:t>
-            </a:r>
-            <a:r>
-              <a:rPr lang="en-US" dirty="0">
-                <a:solidFill>
-                  <a:srgbClr val="0066FF"/>
-                </a:solidFill>
-              </a:rPr>
-              <a:t> </a:t>
+              <a:t>DE_LEVEL  </a:t>
             </a:r>
             <a:r>
               <a:rPr lang="en-US" dirty="0" smtClean="0">
@@ -15623,11 +15597,11 @@
   <p:clrMapOvr>
     <a:masterClrMapping/>
   </p:clrMapOvr>
-  <mc:AlternateContent xmlns:mc="http://schemas.openxmlformats.org/markup-compatibility/2006">
-    <mc:Choice xmlns:p14="http://schemas.microsoft.com/office/powerpoint/2010/main" Requires="p14">
+  <mc:AlternateContent xmlns:mc="http://schemas.openxmlformats.org/markup-compatibility/2006" xmlns:p14="http://schemas.microsoft.com/office/powerpoint/2010/main">
+    <mc:Choice Requires="p14">
       <p:transition spd="slow" p14:dur="2000"/>
     </mc:Choice>
-    <mc:Fallback>
+    <mc:Fallback xmlns="">
       <p:transition spd="slow"/>
     </mc:Fallback>
   </mc:AlternateContent>
@@ -15835,13 +15809,6 @@
               </a:rPr>
               <a:t>   </a:t>
             </a:r>
-            <a:endParaRPr lang="en-US" sz="2400" dirty="0" smtClean="0">
-              <a:solidFill>
-                <a:schemeClr val="accent1">
-                  <a:lumMod val="75000"/>
-                </a:schemeClr>
-              </a:solidFill>
-            </a:endParaRPr>
           </a:p>
           <a:p>
             <a:pPr marL="385763" indent="-385763">
@@ -15871,13 +15838,6 @@
               </a:rPr>
               <a:t> </a:t>
             </a:r>
-            <a:endParaRPr lang="en-US" sz="2400" dirty="0" smtClean="0">
-              <a:solidFill>
-                <a:schemeClr val="accent1">
-                  <a:lumMod val="75000"/>
-                </a:schemeClr>
-              </a:solidFill>
-            </a:endParaRPr>
           </a:p>
           <a:p>
             <a:pPr marL="385763" indent="-385763">
@@ -17073,11 +17033,11 @@
   <p:clrMapOvr>
     <a:masterClrMapping/>
   </p:clrMapOvr>
-  <mc:AlternateContent xmlns:mc="http://schemas.openxmlformats.org/markup-compatibility/2006">
-    <mc:Choice xmlns:p14="http://schemas.microsoft.com/office/powerpoint/2010/main" Requires="p14">
+  <mc:AlternateContent xmlns:mc="http://schemas.openxmlformats.org/markup-compatibility/2006" xmlns:p14="http://schemas.microsoft.com/office/powerpoint/2010/main">
+    <mc:Choice Requires="p14">
       <p:transition spd="slow" p14:dur="2000"/>
     </mc:Choice>
-    <mc:Fallback>
+    <mc:Fallback xmlns="">
       <p:transition spd="slow"/>
     </mc:Fallback>
   </mc:AlternateContent>
@@ -17724,7 +17684,7 @@
           <a:effectLst/>
           <a:extLst>
             <a:ext uri="{AF507438-7753-43e0-B8FC-AC1667EBCBE1}">
-              <a14:hiddenEffects xmlns:a14="http://schemas.microsoft.com/office/drawing/2010/main" xmlns="">
+              <a14:hiddenEffects xmlns="" xmlns:a14="http://schemas.microsoft.com/office/drawing/2010/main">
                 <a:effectLst>
                   <a:outerShdw blurRad="63500" dist="38099" dir="2700000" algn="ctr" rotWithShape="0">
                     <a:schemeClr val="bg2">
@@ -18208,7 +18168,7 @@
           <a:effectLst/>
           <a:extLst>
             <a:ext uri="{AF507438-7753-43e0-B8FC-AC1667EBCBE1}">
-              <a14:hiddenEffects xmlns:a14="http://schemas.microsoft.com/office/drawing/2010/main" xmlns="">
+              <a14:hiddenEffects xmlns="" xmlns:a14="http://schemas.microsoft.com/office/drawing/2010/main">
                 <a:effectLst>
                   <a:outerShdw blurRad="63500" dist="38099" dir="2700000" algn="ctr" rotWithShape="0">
                     <a:schemeClr val="bg2">
@@ -18478,7 +18438,7 @@
         <p:spPr>
           <a:xfrm>
             <a:off x="762000" y="3048000"/>
-            <a:ext cx="7930166" cy="1923604"/>
+            <a:ext cx="7930166" cy="1846659"/>
           </a:xfrm>
           <a:prstGeom prst="rect">
             <a:avLst/>
@@ -18491,7 +18451,7 @@
           <a:lstStyle/>
           <a:p>
             <a:r>
-              <a:rPr lang="en-US" sz="2100" dirty="0">
+              <a:rPr lang="en-US" dirty="0">
                 <a:solidFill>
                   <a:schemeClr val="tx1"/>
                 </a:solidFill>
@@ -18499,7 +18459,7 @@
               <a:t>Pattern: </a:t>
             </a:r>
             <a:r>
-              <a:rPr lang="en-US" sz="2100" dirty="0">
+              <a:rPr lang="en-US" dirty="0">
                 <a:solidFill>
                   <a:srgbClr val="0066FF"/>
                 </a:solidFill>
@@ -18507,14 +18467,14 @@
               <a:t>DE-LEVEL DEGREE ( IN | OF ) </a:t>
             </a:r>
             <a:r>
-              <a:rPr lang="en-US" sz="2100" dirty="0" smtClean="0">
+              <a:rPr lang="en-US" dirty="0" smtClean="0">
                 <a:solidFill>
                   <a:srgbClr val="0066FF"/>
                 </a:solidFill>
               </a:rPr>
               <a:t>MAJOR</a:t>
             </a:r>
-            <a:endParaRPr lang="en-US" sz="2100" dirty="0">
+            <a:endParaRPr lang="en-US" dirty="0">
               <a:solidFill>
                 <a:srgbClr val="0066FF"/>
               </a:solidFill>
@@ -18532,7 +18492,7 @@
           </a:p>
           <a:p>
             <a:r>
-              <a:rPr lang="en-US" sz="2800" dirty="0" err="1">
+              <a:rPr lang="en-US" dirty="0" err="1">
                 <a:solidFill>
                   <a:srgbClr val="0066FF"/>
                 </a:solidFill>
@@ -18542,7 +18502,7 @@
               <a:t>seqMatcher</a:t>
             </a:r>
             <a:r>
-              <a:rPr lang="en-US" sz="2800" dirty="0">
+              <a:rPr lang="en-US" dirty="0">
                 <a:solidFill>
                   <a:srgbClr val="0066FF"/>
                 </a:solidFill>
@@ -18552,7 +18512,7 @@
               <a:t> =</a:t>
             </a:r>
             <a:r>
-              <a:rPr lang="en-US" sz="2800" dirty="0" err="1">
+              <a:rPr lang="en-US" dirty="0" err="1">
                 <a:solidFill>
                   <a:srgbClr val="0066FF"/>
                 </a:solidFill>
@@ -18562,7 +18522,7 @@
               <a:t>parser.parse</a:t>
             </a:r>
             <a:r>
-              <a:rPr lang="en-US" sz="2800" dirty="0">
+              <a:rPr lang="en-US" dirty="0">
                 <a:solidFill>
                   <a:srgbClr val="0066FF"/>
                 </a:solidFill>
@@ -18572,7 +18532,7 @@
               <a:t>(”</a:t>
             </a:r>
             <a:r>
-              <a:rPr lang="en-US" sz="2800" dirty="0" smtClean="0">
+              <a:rPr lang="en-US" dirty="0" smtClean="0">
                 <a:solidFill>
                   <a:srgbClr val="0066FF"/>
                 </a:solidFill>
@@ -18582,7 +18542,7 @@
               <a:t>DE_LEVEL </a:t>
             </a:r>
             <a:r>
-              <a:rPr lang="en-US" sz="2800" dirty="0">
+              <a:rPr lang="en-US" dirty="0">
                 <a:solidFill>
                   <a:srgbClr val="0066FF"/>
                 </a:solidFill>
@@ -18592,7 +18552,7 @@
               <a:t>DEGREE ( IN | OF ) </a:t>
             </a:r>
             <a:r>
-              <a:rPr lang="en-US" sz="2800" dirty="0" smtClean="0">
+              <a:rPr lang="en-US" dirty="0" smtClean="0">
                 <a:solidFill>
                   <a:srgbClr val="0066FF"/>
                 </a:solidFill>
@@ -18602,7 +18562,7 @@
               <a:t>MAJOR</a:t>
             </a:r>
             <a:r>
-              <a:rPr lang="en-US" sz="2800" dirty="0">
+              <a:rPr lang="en-US" dirty="0">
                 <a:solidFill>
                   <a:srgbClr val="0066FF"/>
                 </a:solidFill>
@@ -19623,11 +19583,6 @@
               </a:rPr>
               <a:t> Faster   </a:t>
             </a:r>
-            <a:endParaRPr lang="en-US" sz="2800" dirty="0" smtClean="0">
-              <a:solidFill>
-                <a:schemeClr val="tx1"/>
-              </a:solidFill>
-            </a:endParaRPr>
           </a:p>
           <a:p>
             <a:pPr marL="857250" lvl="1" indent="-457200">
@@ -21121,7 +21076,7 @@
           <a:effectLst/>
           <a:extLst>
             <a:ext uri="{AF507438-7753-43e0-B8FC-AC1667EBCBE1}">
-              <a14:hiddenEffects xmlns:a14="http://schemas.microsoft.com/office/drawing/2010/main" xmlns="">
+              <a14:hiddenEffects xmlns="" xmlns:a14="http://schemas.microsoft.com/office/drawing/2010/main">
                 <a:effectLst>
                   <a:outerShdw blurRad="63500" dist="38099" dir="2700000" algn="ctr" rotWithShape="0">
                     <a:schemeClr val="bg2">
@@ -21252,7 +21207,7 @@
           <a:effectLst/>
           <a:extLst>
             <a:ext uri="{AF507438-7753-43e0-B8FC-AC1667EBCBE1}">
-              <a14:hiddenEffects xmlns:a14="http://schemas.microsoft.com/office/drawing/2010/main" xmlns="">
+              <a14:hiddenEffects xmlns="" xmlns:a14="http://schemas.microsoft.com/office/drawing/2010/main">
                 <a:effectLst>
                   <a:outerShdw blurRad="63500" dist="38099" dir="2700000" algn="ctr" rotWithShape="0">
                     <a:schemeClr val="bg2">
@@ -22354,7 +22309,7 @@
           <a:effectLst/>
           <a:extLst>
             <a:ext uri="{AF507438-7753-43e0-B8FC-AC1667EBCBE1}">
-              <a14:hiddenEffects xmlns:a14="http://schemas.microsoft.com/office/drawing/2010/main" xmlns="">
+              <a14:hiddenEffects xmlns="" xmlns:a14="http://schemas.microsoft.com/office/drawing/2010/main">
                 <a:effectLst>
                   <a:outerShdw blurRad="63500" dist="38099" dir="2700000" algn="ctr" rotWithShape="0">
                     <a:schemeClr val="bg2">
@@ -25688,8 +25643,13 @@
             </a:r>
             <a:r>
               <a:rPr lang="en-US" altLang="zh-CN" sz="2400" dirty="0" smtClean="0"/>
-              <a:t>labeled sentences to train the model</a:t>
-            </a:r>
+              <a:t>labeled sentences to train the </a:t>
+            </a:r>
+            <a:r>
+              <a:rPr lang="en-US" altLang="zh-CN" sz="2400" dirty="0" smtClean="0"/>
+              <a:t>CRFs model</a:t>
+            </a:r>
+            <a:endParaRPr lang="en-US" altLang="zh-CN" sz="2400" dirty="0" smtClean="0"/>
           </a:p>
           <a:p>
             <a:pPr marL="0" indent="0">
@@ -26064,205 +26024,309 @@
           <a:chExt cx="0" cy="0"/>
         </a:xfrm>
       </p:grpSpPr>
-      <p:sp>
-        <p:nvSpPr>
-          <p:cNvPr id="2" name="Content Placeholder 1"/>
-          <p:cNvSpPr>
-            <a:spLocks noGrp="1"/>
-          </p:cNvSpPr>
-          <p:nvPr>
-            <p:ph idx="1"/>
-          </p:nvPr>
-        </p:nvSpPr>
-        <p:spPr>
-          <a:xfrm>
-            <a:off x="457993" y="1847741"/>
-            <a:ext cx="8228013" cy="4724401"/>
-          </a:xfrm>
-        </p:spPr>
-        <p:txBody>
-          <a:bodyPr/>
-          <a:lstStyle/>
-          <a:p>
-            <a:r>
-              <a:rPr lang="en-US" sz="2800" dirty="0" smtClean="0"/>
-              <a:t>DCG </a:t>
-            </a:r>
-            <a:r>
-              <a:rPr lang="en-US" sz="2800" dirty="0" smtClean="0">
-                <a:solidFill>
-                  <a:schemeClr val="tx1"/>
-                </a:solidFill>
-              </a:rPr>
-              <a:t>– </a:t>
-            </a:r>
-            <a:r>
-              <a:rPr lang="en-US" sz="2800" dirty="0" smtClean="0"/>
-              <a:t>A measure </a:t>
-            </a:r>
-            <a:r>
-              <a:rPr lang="en-US" sz="2800" dirty="0"/>
-              <a:t>of ranking quality</a:t>
-            </a:r>
-            <a:r>
-              <a:rPr lang="en-US" sz="2800" dirty="0" smtClean="0"/>
-              <a:t>. </a:t>
-            </a:r>
-            <a:r>
-              <a:rPr lang="en-US" sz="2400" dirty="0"/>
-              <a:t>(</a:t>
-            </a:r>
-            <a:r>
-              <a:rPr lang="de-DE" sz="2400" dirty="0"/>
-              <a:t>CD Manning, P Raghavan and H Schütze, 2008</a:t>
-            </a:r>
-            <a:r>
-              <a:rPr lang="en-US" sz="2400" dirty="0"/>
-              <a:t>)</a:t>
-            </a:r>
-            <a:endParaRPr lang="en-US" sz="2800" dirty="0"/>
-          </a:p>
-          <a:p>
-            <a:endParaRPr lang="en-US" sz="2800" dirty="0"/>
-          </a:p>
-          <a:p>
-            <a:endParaRPr lang="en-US" dirty="0" smtClean="0"/>
-          </a:p>
-          <a:p>
-            <a:pPr marL="457200" indent="-457200">
-              <a:buClr>
-                <a:srgbClr val="C00000"/>
-              </a:buClr>
-              <a:buFont typeface="Arial" panose="020B0604020202020204" pitchFamily="34" charset="0"/>
-              <a:buChar char="•"/>
-            </a:pPr>
-            <a:r>
-              <a:rPr lang="en-US" sz="2800" dirty="0" smtClean="0">
-                <a:solidFill>
-                  <a:schemeClr val="tx1"/>
-                </a:solidFill>
-              </a:rPr>
-              <a:t>i: the position of the document.  </a:t>
-            </a:r>
-            <a:endParaRPr lang="en-US" sz="2800" dirty="0">
-              <a:solidFill>
-                <a:schemeClr val="tx1"/>
-              </a:solidFill>
-            </a:endParaRPr>
-          </a:p>
-          <a:p>
-            <a:pPr marL="457200" indent="-457200">
-              <a:buClr>
-                <a:srgbClr val="C00000"/>
-              </a:buClr>
-              <a:buFont typeface="Arial" panose="020B0604020202020204" pitchFamily="34" charset="0"/>
-              <a:buChar char="•"/>
-            </a:pPr>
-            <a:r>
-              <a:rPr lang="en-US" sz="2800" dirty="0" err="1" smtClean="0">
-                <a:latin typeface="Calibri" panose="020F0502020204030204" pitchFamily="34" charset="0"/>
-              </a:rPr>
-              <a:t>rel</a:t>
-            </a:r>
-            <a:r>
-              <a:rPr lang="en-US" sz="2800" baseline="-25000" dirty="0" err="1" smtClean="0">
-                <a:latin typeface="Calibri" panose="020F0502020204030204" pitchFamily="34" charset="0"/>
-              </a:rPr>
-              <a:t>i</a:t>
-            </a:r>
-            <a:r>
-              <a:rPr lang="en-US" sz="2800" baseline="-25000" dirty="0" smtClean="0"/>
-              <a:t> </a:t>
-            </a:r>
-            <a:r>
-              <a:rPr lang="en-US" sz="2800" dirty="0">
-                <a:solidFill>
-                  <a:schemeClr val="tx1"/>
-                </a:solidFill>
-              </a:rPr>
-              <a:t>:</a:t>
-            </a:r>
-            <a:r>
-              <a:rPr lang="en-US" sz="2800" dirty="0" smtClean="0">
-                <a:solidFill>
-                  <a:schemeClr val="tx1"/>
-                </a:solidFill>
-              </a:rPr>
-              <a:t> the </a:t>
-            </a:r>
-            <a:r>
-              <a:rPr lang="en-US" sz="2800" dirty="0">
-                <a:solidFill>
-                  <a:schemeClr val="tx1"/>
-                </a:solidFill>
-              </a:rPr>
-              <a:t>relevance score assessors </a:t>
-            </a:r>
-            <a:r>
-              <a:rPr lang="en-US" sz="2800" dirty="0" smtClean="0">
-                <a:solidFill>
-                  <a:schemeClr val="tx1"/>
-                </a:solidFill>
-              </a:rPr>
-              <a:t>given </a:t>
-            </a:r>
-            <a:r>
-              <a:rPr lang="en-US" sz="2800" dirty="0">
-                <a:solidFill>
-                  <a:schemeClr val="tx1"/>
-                </a:solidFill>
-              </a:rPr>
-              <a:t>to document  </a:t>
-            </a:r>
-            <a:r>
-              <a:rPr lang="en-US" sz="2800" dirty="0" smtClean="0">
-                <a:solidFill>
-                  <a:schemeClr val="tx1"/>
-                </a:solidFill>
-              </a:rPr>
-              <a:t>at position </a:t>
-            </a:r>
-            <a:r>
-              <a:rPr lang="en-US" sz="2800" dirty="0" err="1" smtClean="0">
-                <a:solidFill>
-                  <a:schemeClr val="tx1"/>
-                </a:solidFill>
-              </a:rPr>
-              <a:t>i</a:t>
-            </a:r>
-            <a:r>
-              <a:rPr lang="en-US" sz="2800" dirty="0" smtClean="0">
-                <a:solidFill>
-                  <a:schemeClr val="tx1"/>
-                </a:solidFill>
-              </a:rPr>
-              <a:t>. </a:t>
-            </a:r>
-          </a:p>
-          <a:p>
-            <a:pPr marL="457200" indent="-457200">
-              <a:buClr>
-                <a:srgbClr val="C00000"/>
-              </a:buClr>
-              <a:buFont typeface="Arial" panose="020B0604020202020204" pitchFamily="34" charset="0"/>
-              <a:buChar char="•"/>
-            </a:pPr>
-            <a:r>
-              <a:rPr lang="en-US" sz="2800" dirty="0" smtClean="0">
-                <a:solidFill>
-                  <a:schemeClr val="tx1"/>
-                </a:solidFill>
-              </a:rPr>
-              <a:t>p: the number of first p query result</a:t>
-            </a:r>
-            <a:endParaRPr lang="en-US" sz="2800" dirty="0">
-              <a:solidFill>
-                <a:schemeClr val="tx1"/>
-              </a:solidFill>
-            </a:endParaRPr>
-          </a:p>
-        </p:txBody>
-      </p:sp>
+      <mc:AlternateContent xmlns:mc="http://schemas.openxmlformats.org/markup-compatibility/2006">
+        <mc:Choice xmlns:a14="http://schemas.microsoft.com/office/drawing/2010/main" Requires="a14">
+          <p:sp>
+            <p:nvSpPr>
+              <p:cNvPr id="2" name="Content Placeholder 1"/>
+              <p:cNvSpPr>
+                <a:spLocks noGrp="1"/>
+              </p:cNvSpPr>
+              <p:nvPr>
+                <p:ph idx="1"/>
+              </p:nvPr>
+            </p:nvSpPr>
+            <p:spPr>
+              <a:xfrm>
+                <a:off x="304800" y="1668773"/>
+                <a:ext cx="8686800" cy="4724401"/>
+              </a:xfrm>
+            </p:spPr>
+            <p:txBody>
+              <a:bodyPr/>
+              <a:lstStyle/>
+              <a:p>
+                <a:r>
+                  <a:rPr lang="en-US" sz="2800" dirty="0" smtClean="0"/>
+                  <a:t>DCG </a:t>
+                </a:r>
+                <a:r>
+                  <a:rPr lang="en-US" sz="2800" dirty="0" smtClean="0">
+                    <a:solidFill>
+                      <a:schemeClr val="tx1"/>
+                    </a:solidFill>
+                  </a:rPr>
+                  <a:t>– </a:t>
+                </a:r>
+                <a:r>
+                  <a:rPr lang="en-US" sz="2800" dirty="0" smtClean="0"/>
+                  <a:t>A measure </a:t>
+                </a:r>
+                <a:r>
+                  <a:rPr lang="en-US" sz="2800" dirty="0"/>
+                  <a:t>of ranking </a:t>
+                </a:r>
+                <a:r>
+                  <a:rPr lang="en-US" sz="2800" dirty="0" smtClean="0"/>
+                  <a:t>quality. How documents are ranked according to their </a:t>
+                </a:r>
+                <a:r>
+                  <a:rPr lang="en-US" sz="2800" dirty="0">
+                    <a:solidFill>
+                      <a:schemeClr val="tx1"/>
+                    </a:solidFill>
+                  </a:rPr>
+                  <a:t>relevance </a:t>
+                </a:r>
+                <a:r>
+                  <a:rPr lang="en-US" sz="2800" dirty="0" smtClean="0">
+                    <a:solidFill>
+                      <a:schemeClr val="tx1"/>
+                    </a:solidFill>
+                  </a:rPr>
+                  <a:t>scores</a:t>
+                </a:r>
+                <a:r>
+                  <a:rPr lang="en-US" sz="2800" dirty="0" smtClean="0"/>
+                  <a:t>. </a:t>
+                </a:r>
+                <a:r>
+                  <a:rPr lang="en-US" sz="2000" dirty="0"/>
+                  <a:t>(</a:t>
+                </a:r>
+                <a:r>
+                  <a:rPr lang="de-DE" sz="2000" dirty="0"/>
+                  <a:t>CD Manning, P Raghavan and H Schütze, 2008</a:t>
+                </a:r>
+                <a:r>
+                  <a:rPr lang="en-US" sz="2000" dirty="0"/>
+                  <a:t>)</a:t>
+                </a:r>
+                <a:endParaRPr lang="en-US" sz="2800" dirty="0"/>
+              </a:p>
+              <a:p>
+                <a:endParaRPr lang="en-US" sz="2800" dirty="0"/>
+              </a:p>
+              <a:p>
+                <a:endParaRPr lang="en-US" dirty="0" smtClean="0"/>
+              </a:p>
+              <a:p>
+                <a:pPr marL="457200" indent="-457200">
+                  <a:buClr>
+                    <a:srgbClr val="C00000"/>
+                  </a:buClr>
+                  <a:buFont typeface="Arial" panose="020B0604020202020204" pitchFamily="34" charset="0"/>
+                  <a:buChar char="•"/>
+                </a:pPr>
+                <a14:m>
+                  <m:oMath xmlns:m="http://schemas.openxmlformats.org/officeDocument/2006/math">
+                    <m:r>
+                      <a:rPr lang="en-US" sz="2800" i="1"/>
+                      <m:t>𝑖</m:t>
+                    </m:r>
+                    <m:r>
+                      <a:rPr lang="en-US" sz="2800" i="1"/>
+                      <m:t> </m:t>
+                    </m:r>
+                  </m:oMath>
+                </a14:m>
+                <a:r>
+                  <a:rPr lang="en-US" sz="2800" dirty="0" smtClean="0">
+                    <a:solidFill>
+                      <a:schemeClr val="tx1"/>
+                    </a:solidFill>
+                  </a:rPr>
+                  <a:t>: the position of the document.  </a:t>
+                </a:r>
+                <a:endParaRPr lang="en-US" sz="2800" dirty="0">
+                  <a:solidFill>
+                    <a:schemeClr val="tx1"/>
+                  </a:solidFill>
+                </a:endParaRPr>
+              </a:p>
+              <a:p>
+                <a:pPr marL="457200" indent="-457200">
+                  <a:buClr>
+                    <a:srgbClr val="C00000"/>
+                  </a:buClr>
+                  <a:buFont typeface="Arial" panose="020B0604020202020204" pitchFamily="34" charset="0"/>
+                  <a:buChar char="•"/>
+                </a:pPr>
+                <a14:m>
+                  <m:oMath xmlns:m="http://schemas.openxmlformats.org/officeDocument/2006/math">
+                    <m:sSub>
+                      <m:sSubPr>
+                        <m:ctrlPr>
+                          <a:rPr lang="en-US" sz="2800" i="1"/>
+                        </m:ctrlPr>
+                      </m:sSubPr>
+                      <m:e>
+                        <m:r>
+                          <a:rPr lang="en-US" sz="2800" i="1"/>
+                          <m:t>𝑟𝑒𝑙</m:t>
+                        </m:r>
+                      </m:e>
+                      <m:sub>
+                        <m:r>
+                          <a:rPr lang="en-US" sz="2800" i="1"/>
+                          <m:t>𝑖</m:t>
+                        </m:r>
+                      </m:sub>
+                    </m:sSub>
+                  </m:oMath>
+                </a14:m>
+                <a:r>
+                  <a:rPr lang="en-US" sz="2800" baseline="-25000" dirty="0" smtClean="0"/>
+                  <a:t> </a:t>
+                </a:r>
+                <a:r>
+                  <a:rPr lang="en-US" sz="2800" dirty="0">
+                    <a:solidFill>
+                      <a:schemeClr val="tx1"/>
+                    </a:solidFill>
+                  </a:rPr>
+                  <a:t>:</a:t>
+                </a:r>
+                <a:r>
+                  <a:rPr lang="en-US" sz="2800" dirty="0" smtClean="0">
+                    <a:solidFill>
+                      <a:schemeClr val="tx1"/>
+                    </a:solidFill>
+                  </a:rPr>
+                  <a:t> the </a:t>
+                </a:r>
+                <a:r>
+                  <a:rPr lang="en-US" sz="2800" dirty="0">
+                    <a:solidFill>
+                      <a:schemeClr val="tx1"/>
+                    </a:solidFill>
+                  </a:rPr>
+                  <a:t>relevance score assessors </a:t>
+                </a:r>
+                <a:r>
+                  <a:rPr lang="en-US" sz="2800" dirty="0" smtClean="0">
+                    <a:solidFill>
+                      <a:schemeClr val="tx1"/>
+                    </a:solidFill>
+                  </a:rPr>
+                  <a:t>given </a:t>
+                </a:r>
+                <a:r>
+                  <a:rPr lang="en-US" sz="2800" dirty="0">
+                    <a:solidFill>
+                      <a:schemeClr val="tx1"/>
+                    </a:solidFill>
+                  </a:rPr>
+                  <a:t>to document  </a:t>
+                </a:r>
+                <a:r>
+                  <a:rPr lang="en-US" sz="2800" dirty="0" smtClean="0">
+                    <a:solidFill>
+                      <a:schemeClr val="tx1"/>
+                    </a:solidFill>
+                  </a:rPr>
+                  <a:t>at position </a:t>
+                </a:r>
+                <a:r>
+                  <a:rPr lang="en-US" sz="2800" dirty="0" err="1" smtClean="0">
+                    <a:solidFill>
+                      <a:schemeClr val="tx1"/>
+                    </a:solidFill>
+                  </a:rPr>
+                  <a:t>i</a:t>
+                </a:r>
+                <a:r>
+                  <a:rPr lang="en-US" sz="2800" dirty="0" smtClean="0">
+                    <a:solidFill>
+                      <a:schemeClr val="tx1"/>
+                    </a:solidFill>
+                  </a:rPr>
+                  <a:t>. </a:t>
+                </a:r>
+              </a:p>
+              <a:p>
+                <a:pPr marL="457200" indent="-457200">
+                  <a:buClr>
+                    <a:srgbClr val="C00000"/>
+                  </a:buClr>
+                  <a:buFont typeface="Arial" panose="020B0604020202020204" pitchFamily="34" charset="0"/>
+                  <a:buChar char="•"/>
+                </a:pPr>
+                <a14:m>
+                  <m:oMath xmlns:m="http://schemas.openxmlformats.org/officeDocument/2006/math">
+                    <m:r>
+                      <a:rPr lang="en-US" sz="2800" i="1"/>
+                      <m:t>𝑝</m:t>
+                    </m:r>
+                    <m:r>
+                      <a:rPr lang="en-US" sz="2800" i="1"/>
+                      <m:t> </m:t>
+                    </m:r>
+                  </m:oMath>
+                </a14:m>
+                <a:r>
+                  <a:rPr lang="en-US" sz="2800" dirty="0" smtClean="0">
+                    <a:solidFill>
+                      <a:schemeClr val="tx1"/>
+                    </a:solidFill>
+                  </a:rPr>
+                  <a:t>: the number of first p query </a:t>
+                </a:r>
+                <a:r>
+                  <a:rPr lang="en-US" sz="2800" dirty="0" smtClean="0">
+                    <a:solidFill>
+                      <a:schemeClr val="tx1"/>
+                    </a:solidFill>
+                  </a:rPr>
+                  <a:t>results. </a:t>
+                </a:r>
+                <a:endParaRPr lang="en-US" sz="2800" dirty="0">
+                  <a:solidFill>
+                    <a:schemeClr val="tx1"/>
+                  </a:solidFill>
+                </a:endParaRPr>
+              </a:p>
+            </p:txBody>
+          </p:sp>
+        </mc:Choice>
+        <mc:Fallback>
+          <p:sp>
+            <p:nvSpPr>
+              <p:cNvPr id="2" name="Content Placeholder 1"/>
+              <p:cNvSpPr>
+                <a:spLocks noGrp="1" noRot="1" noChangeAspect="1" noMove="1" noResize="1" noEditPoints="1" noAdjustHandles="1" noChangeArrowheads="1" noChangeShapeType="1" noTextEdit="1"/>
+              </p:cNvSpPr>
+              <p:nvPr>
+                <p:ph idx="1"/>
+              </p:nvPr>
+            </p:nvSpPr>
+            <p:spPr>
+              <a:xfrm>
+                <a:off x="304800" y="1668773"/>
+                <a:ext cx="8686800" cy="4724401"/>
+              </a:xfrm>
+              <a:blipFill rotWithShape="0">
+                <a:blip r:embed="rId3"/>
+                <a:stretch>
+                  <a:fillRect l="-1474" t="-1419" r="-1965"/>
+                </a:stretch>
+              </a:blipFill>
+            </p:spPr>
+            <p:txBody>
+              <a:bodyPr/>
+              <a:lstStyle/>
+              <a:p>
+                <a:r>
+                  <a:rPr lang="en-US">
+                    <a:noFill/>
+                  </a:rPr>
+                  <a:t> </a:t>
+                </a:r>
+              </a:p>
+            </p:txBody>
+          </p:sp>
+        </mc:Fallback>
+      </mc:AlternateContent>
       <p:sp>
         <p:nvSpPr>
           <p:cNvPr id="3" name="Title 2"/>
@@ -26316,7 +26380,7 @@
           <p:nvPr/>
         </p:nvPicPr>
         <p:blipFill>
-          <a:blip r:embed="rId3">
+          <a:blip r:embed="rId4">
             <a:extLst>
               <a:ext uri="{28A0092B-C50C-407E-A947-70E740481C1C}">
                 <a14:useLocalDpi xmlns:a14="http://schemas.microsoft.com/office/drawing/2010/main" val="0"/>
@@ -26330,7 +26394,7 @@
         </p:blipFill>
         <p:spPr bwMode="auto">
           <a:xfrm>
-            <a:off x="1026653" y="2922827"/>
+            <a:off x="2514600" y="3155170"/>
             <a:ext cx="3294641" cy="913366"/>
           </a:xfrm>
           <a:prstGeom prst="rect">
@@ -28277,7 +28341,7 @@
                 </a:r>
                 <a:r>
                   <a:rPr lang="en-US" sz="2800" dirty="0" smtClean="0"/>
-                  <a:t>	The </a:t>
+                  <a:t> The </a:t>
                 </a:r>
                 <a:r>
                   <a:rPr lang="en-US" sz="2800" dirty="0"/>
@@ -28488,8 +28552,8 @@
           </a:p>
         </p:txBody>
       </p:sp>
-      <mc:AlternateContent xmlns:mc="http://schemas.openxmlformats.org/markup-compatibility/2006">
-        <mc:Choice xmlns:a14="http://schemas.microsoft.com/office/drawing/2010/main" Requires="a14">
+      <mc:AlternateContent xmlns:mc="http://schemas.openxmlformats.org/markup-compatibility/2006" xmlns:a14="http://schemas.microsoft.com/office/drawing/2010/main">
+        <mc:Choice Requires="a14">
           <p:sp>
             <p:nvSpPr>
               <p:cNvPr id="7" name="Rectangle 6"/>
@@ -28627,7 +28691,7 @@
             </p:txBody>
           </p:sp>
         </mc:Choice>
-        <mc:Fallback>
+        <mc:Fallback xmlns="">
           <p:sp>
             <p:nvSpPr>
               <p:cNvPr id="7" name="Rectangle 6"/>
@@ -29228,9 +29292,10 @@
               <a:t>their personal </a:t>
             </a:r>
             <a:r>
-              <a:rPr lang="en-US" sz="2800" dirty="0"/>
-              <a:t>information </a:t>
-            </a:r>
+              <a:rPr lang="en-US" sz="2800" dirty="0" smtClean="0"/>
+              <a:t>information. </a:t>
+            </a:r>
+            <a:endParaRPr lang="en-US" sz="2800" dirty="0"/>
           </a:p>
           <a:p>
             <a:pPr marL="457200" indent="-457200">
@@ -29266,7 +29331,15 @@
             </a:r>
             <a:r>
               <a:rPr lang="en-US" sz="2800" dirty="0" smtClean="0"/>
-              <a:t> forms</a:t>
+              <a:t> </a:t>
+            </a:r>
+            <a:r>
+              <a:rPr lang="en-US" sz="2800" dirty="0" smtClean="0"/>
+              <a:t>forms</a:t>
+            </a:r>
+            <a:r>
+              <a:rPr lang="en-US" sz="2800" dirty="0"/>
+              <a:t>.</a:t>
             </a:r>
             <a:endParaRPr lang="en-US" sz="2800" dirty="0"/>
           </a:p>
@@ -30244,7 +30317,7 @@
                   </a14:hiddenEffects>
                 </a:ext>
                 <a:ext uri="{FAA26D3D-D897-4be2-8F04-BA451C77F1D7}">
-                  <ma14:placeholderFlag xmlns:ma14="http://schemas.microsoft.com/office/mac/drawingml/2011/main" xmlns="" val="1"/>
+                  <ma14:placeholderFlag xmlns="" xmlns:ma14="http://schemas.microsoft.com/office/mac/drawingml/2011/main" val="1"/>
                 </a:ext>
               </a:extLst>
             </p:spPr>
@@ -30916,8 +30989,8 @@
           <a:chExt cx="0" cy="0"/>
         </a:xfrm>
       </p:grpSpPr>
-      <mc:AlternateContent xmlns:mc="http://schemas.openxmlformats.org/markup-compatibility/2006">
-        <mc:Choice xmlns:a14="http://schemas.microsoft.com/office/drawing/2010/main" Requires="a14">
+      <mc:AlternateContent xmlns:mc="http://schemas.openxmlformats.org/markup-compatibility/2006" xmlns:a14="http://schemas.microsoft.com/office/drawing/2010/main">
+        <mc:Choice Requires="a14">
           <p:sp>
             <p:nvSpPr>
               <p:cNvPr id="2" name="Content Placeholder 1"/>
@@ -31077,7 +31150,7 @@
             </p:txBody>
           </p:sp>
         </mc:Choice>
-        <mc:Fallback>
+        <mc:Fallback xmlns="">
           <p:sp>
             <p:nvSpPr>
               <p:cNvPr id="2" name="Content Placeholder 1"/>
@@ -37906,7 +37979,7 @@
           <a:effectLst/>
           <a:extLst>
             <a:ext uri="{AF507438-7753-43e0-B8FC-AC1667EBCBE1}">
-              <a14:hiddenEffects xmlns:a14="http://schemas.microsoft.com/office/drawing/2010/main" xmlns="">
+              <a14:hiddenEffects xmlns="" xmlns:a14="http://schemas.microsoft.com/office/drawing/2010/main">
                 <a:effectLst>
                   <a:outerShdw blurRad="63500" dist="38099" dir="2700000" algn="ctr" rotWithShape="0">
                     <a:schemeClr val="bg2">
@@ -37988,7 +38061,7 @@
           <a:effectLst/>
           <a:extLst>
             <a:ext uri="{AF507438-7753-43e0-B8FC-AC1667EBCBE1}">
-              <a14:hiddenEffects xmlns:a14="http://schemas.microsoft.com/office/drawing/2010/main" xmlns="">
+              <a14:hiddenEffects xmlns="" xmlns:a14="http://schemas.microsoft.com/office/drawing/2010/main">
                 <a:effectLst>
                   <a:outerShdw blurRad="63500" dist="38099" dir="2700000" algn="ctr" rotWithShape="0">
                     <a:schemeClr val="bg2">
@@ -38234,7 +38307,7 @@
           <a:effectLst/>
           <a:extLst>
             <a:ext uri="{AF507438-7753-43e0-B8FC-AC1667EBCBE1}">
-              <a14:hiddenEffects xmlns:a14="http://schemas.microsoft.com/office/drawing/2010/main" xmlns="">
+              <a14:hiddenEffects xmlns="" xmlns:a14="http://schemas.microsoft.com/office/drawing/2010/main">
                 <a:effectLst>
                   <a:outerShdw blurRad="63500" dist="38099" dir="2700000" algn="ctr" rotWithShape="0">
                     <a:schemeClr val="bg2">
@@ -38555,7 +38628,7 @@
               <a:buChar char="v"/>
             </a:pPr>
             <a:r>
-              <a:rPr lang="en-US" sz="2400" dirty="0"/>
+              <a:rPr lang="en-US" sz="2800" dirty="0"/>
               <a:t>A résumé – job matching system</a:t>
             </a:r>
           </a:p>
@@ -38568,19 +38641,19 @@
               <a:buChar char="v"/>
             </a:pPr>
             <a:r>
-              <a:rPr lang="en-US" sz="2400" dirty="0" smtClean="0"/>
+              <a:rPr lang="en-US" sz="2800" dirty="0" smtClean="0"/>
               <a:t>A </a:t>
             </a:r>
             <a:r>
-              <a:rPr lang="en-US" sz="2400" dirty="0"/>
+              <a:rPr lang="en-US" sz="2800" dirty="0"/>
               <a:t>finite state transducer </a:t>
             </a:r>
             <a:r>
-              <a:rPr lang="en-US" sz="2400" dirty="0" smtClean="0"/>
+              <a:rPr lang="en-US" sz="2800" dirty="0" smtClean="0"/>
               <a:t>based pattern matching tool </a:t>
             </a:r>
             <a:r>
-              <a:rPr lang="en-US" sz="2400" dirty="0"/>
+              <a:rPr lang="en-US" sz="2800" dirty="0"/>
               <a:t>for information extraction</a:t>
             </a:r>
           </a:p>
@@ -38593,7 +38666,7 @@
               <a:buChar char="v"/>
             </a:pPr>
             <a:r>
-              <a:rPr lang="en-US" sz="2400" dirty="0"/>
+              <a:rPr lang="en-US" sz="2800" dirty="0"/>
               <a:t>A semi-automatic approach to collect technical terms</a:t>
             </a:r>
           </a:p>
@@ -38606,7 +38679,7 @@
               <a:buChar char="v"/>
             </a:pPr>
             <a:r>
-              <a:rPr lang="en-US" sz="2400" dirty="0"/>
+              <a:rPr lang="en-US" sz="2800" dirty="0"/>
               <a:t>A statistical-based ontology similarity measure</a:t>
             </a:r>
           </a:p>
@@ -38739,14 +38812,14 @@
           <a:effectLst/>
           <a:extLst>
             <a:ext uri="{909E8E84-426E-40dd-AFC4-6F175D3DCCD1}">
-              <a14:hiddenFill xmlns:a14="http://schemas.microsoft.com/office/drawing/2010/main" xmlns="">
+              <a14:hiddenFill xmlns="" xmlns:a14="http://schemas.microsoft.com/office/drawing/2010/main">
                 <a:solidFill>
                   <a:srgbClr val="FFFFFF"/>
                 </a:solidFill>
               </a14:hiddenFill>
             </a:ext>
             <a:ext uri="{91240B29-F687-4f45-9708-019B960494DF}">
-              <a14:hiddenLine xmlns:a14="http://schemas.microsoft.com/office/drawing/2010/main" xmlns="" w="9525">
+              <a14:hiddenLine xmlns="" xmlns:a14="http://schemas.microsoft.com/office/drawing/2010/main" w="9525">
                 <a:solidFill>
                   <a:srgbClr val="000000"/>
                 </a:solidFill>
@@ -38756,7 +38829,7 @@
               </a14:hiddenLine>
             </a:ext>
             <a:ext uri="{AF507438-7753-43e0-B8FC-AC1667EBCBE1}">
-              <a14:hiddenEffects xmlns:a14="http://schemas.microsoft.com/office/drawing/2010/main" xmlns="">
+              <a14:hiddenEffects xmlns="" xmlns:a14="http://schemas.microsoft.com/office/drawing/2010/main">
                 <a:effectLst>
                   <a:outerShdw blurRad="63500" dist="38099" dir="2700000" algn="ctr" rotWithShape="0">
                     <a:srgbClr val="000000">
@@ -39499,14 +39572,14 @@
           <a:effectLst/>
           <a:extLst>
             <a:ext uri="{909E8E84-426E-40dd-AFC4-6F175D3DCCD1}">
-              <a14:hiddenFill xmlns:a14="http://schemas.microsoft.com/office/drawing/2010/main" xmlns="">
+              <a14:hiddenFill xmlns="" xmlns:a14="http://schemas.microsoft.com/office/drawing/2010/main">
                 <a:solidFill>
                   <a:srgbClr val="FFFFFF"/>
                 </a:solidFill>
               </a14:hiddenFill>
             </a:ext>
             <a:ext uri="{91240B29-F687-4f45-9708-019B960494DF}">
-              <a14:hiddenLine xmlns:a14="http://schemas.microsoft.com/office/drawing/2010/main" xmlns="" w="9525">
+              <a14:hiddenLine xmlns="" xmlns:a14="http://schemas.microsoft.com/office/drawing/2010/main" w="9525">
                 <a:solidFill>
                   <a:srgbClr val="000000"/>
                 </a:solidFill>
@@ -39516,7 +39589,7 @@
               </a14:hiddenLine>
             </a:ext>
             <a:ext uri="{AF507438-7753-43e0-B8FC-AC1667EBCBE1}">
-              <a14:hiddenEffects xmlns:a14="http://schemas.microsoft.com/office/drawing/2010/main" xmlns="">
+              <a14:hiddenEffects xmlns="" xmlns:a14="http://schemas.microsoft.com/office/drawing/2010/main">
                 <a:effectLst>
                   <a:outerShdw blurRad="63500" dist="38099" dir="2700000" algn="ctr" rotWithShape="0">
                     <a:srgbClr val="000000">
@@ -40430,14 +40503,14 @@
           <a:effectLst/>
           <a:extLst>
             <a:ext uri="{909E8E84-426E-40dd-AFC4-6F175D3DCCD1}">
-              <a14:hiddenFill xmlns:a14="http://schemas.microsoft.com/office/drawing/2010/main" xmlns="">
+              <a14:hiddenFill xmlns="" xmlns:a14="http://schemas.microsoft.com/office/drawing/2010/main">
                 <a:solidFill>
                   <a:srgbClr val="FFFFFF"/>
                 </a:solidFill>
               </a14:hiddenFill>
             </a:ext>
             <a:ext uri="{91240B29-F687-4f45-9708-019B960494DF}">
-              <a14:hiddenLine xmlns:a14="http://schemas.microsoft.com/office/drawing/2010/main" xmlns="" w="9525">
+              <a14:hiddenLine xmlns="" xmlns:a14="http://schemas.microsoft.com/office/drawing/2010/main" w="9525">
                 <a:solidFill>
                   <a:srgbClr val="000000"/>
                 </a:solidFill>
@@ -40447,7 +40520,7 @@
               </a14:hiddenLine>
             </a:ext>
             <a:ext uri="{AF507438-7753-43e0-B8FC-AC1667EBCBE1}">
-              <a14:hiddenEffects xmlns:a14="http://schemas.microsoft.com/office/drawing/2010/main" xmlns="">
+              <a14:hiddenEffects xmlns="" xmlns:a14="http://schemas.microsoft.com/office/drawing/2010/main">
                 <a:effectLst>
                   <a:outerShdw blurRad="63500" dist="38099" dir="2700000" algn="ctr" rotWithShape="0">
                     <a:srgbClr val="000000">
@@ -40753,14 +40826,14 @@
           <a:effectLst/>
           <a:extLst>
             <a:ext uri="{909E8E84-426E-40dd-AFC4-6F175D3DCCD1}">
-              <a14:hiddenFill xmlns:a14="http://schemas.microsoft.com/office/drawing/2010/main" xmlns="">
+              <a14:hiddenFill xmlns="" xmlns:a14="http://schemas.microsoft.com/office/drawing/2010/main">
                 <a:solidFill>
                   <a:srgbClr val="FFFFFF"/>
                 </a:solidFill>
               </a14:hiddenFill>
             </a:ext>
             <a:ext uri="{91240B29-F687-4f45-9708-019B960494DF}">
-              <a14:hiddenLine xmlns:a14="http://schemas.microsoft.com/office/drawing/2010/main" xmlns="" w="9525">
+              <a14:hiddenLine xmlns="" xmlns:a14="http://schemas.microsoft.com/office/drawing/2010/main" w="9525">
                 <a:solidFill>
                   <a:srgbClr val="000000"/>
                 </a:solidFill>
@@ -40770,7 +40843,7 @@
               </a14:hiddenLine>
             </a:ext>
             <a:ext uri="{AF507438-7753-43e0-B8FC-AC1667EBCBE1}">
-              <a14:hiddenEffects xmlns:a14="http://schemas.microsoft.com/office/drawing/2010/main" xmlns="">
+              <a14:hiddenEffects xmlns="" xmlns:a14="http://schemas.microsoft.com/office/drawing/2010/main">
                 <a:effectLst>
                   <a:outerShdw blurRad="63500" dist="38099" dir="2700000" algn="ctr" rotWithShape="0">
                     <a:srgbClr val="000000">
@@ -41584,7 +41657,7 @@
         <a:effectLst/>
         <a:extLst>
           <a:ext uri="{AF507438-7753-43e0-B8FC-AC1667EBCBE1}">
-            <a14:hiddenEffects xmlns:a14="http://schemas.microsoft.com/office/drawing/2010/main" xmlns="">
+            <a14:hiddenEffects xmlns="" xmlns:a14="http://schemas.microsoft.com/office/drawing/2010/main">
               <a:effectLst>
                 <a:outerShdw blurRad="63500" dist="38099" dir="2700000" algn="ctr" rotWithShape="0">
                   <a:schemeClr val="bg2">
@@ -41663,7 +41736,7 @@
         <a:effectLst/>
         <a:extLst>
           <a:ext uri="{AF507438-7753-43e0-B8FC-AC1667EBCBE1}">
-            <a14:hiddenEffects xmlns:a14="http://schemas.microsoft.com/office/drawing/2010/main" xmlns="">
+            <a14:hiddenEffects xmlns="" xmlns:a14="http://schemas.microsoft.com/office/drawing/2010/main">
               <a:effectLst>
                 <a:outerShdw blurRad="63500" dist="38099" dir="2700000" algn="ctr" rotWithShape="0">
                   <a:schemeClr val="bg2">

--- a/media/Master's thesis-3.pptx
+++ b/media/Master's thesis-3.pptx
@@ -384,7 +384,7 @@
             <a:fld id="{8D49A9A6-EEBE-4A10-B375-E3DE23A9130F}" type="datetimeFigureOut">
               <a:rPr lang="en-US" altLang="en-US"/>
               <a:pPr/>
-              <a:t>12/21/2014</a:t>
+              <a:t>1/14/2015</a:t>
             </a:fld>
             <a:endParaRPr lang="en-US" altLang="en-US"/>
           </a:p>
@@ -13433,7 +13433,7 @@
           <p:nvPr>
             <p:extLst>
               <p:ext uri="{D42A27DB-BD31-4B8C-83A1-F6EECF244321}">
-                <p14:modId xmlns:p14="http://schemas.microsoft.com/office/powerpoint/2010/main" val="2041302426"/>
+                <p14:modId xmlns:p14="http://schemas.microsoft.com/office/powerpoint/2010/main" val="3883259689"/>
               </p:ext>
             </p:extLst>
           </p:nvPr>
@@ -13461,7 +13461,7 @@
                     <a:p>
                       <a:r>
                         <a:rPr lang="en-US" sz="2400" dirty="0" smtClean="0"/>
-                        <a:t>Original text</a:t>
+                        <a:t>Original Text</a:t>
                       </a:r>
                       <a:endParaRPr lang="en-US" sz="2400" dirty="0"/>
                     </a:p>
@@ -14634,15 +14634,7 @@
                   <a:srgbClr val="0066FF"/>
                 </a:solidFill>
               </a:rPr>
-              <a:t>DE_LEVEL  </a:t>
-            </a:r>
-            <a:r>
-              <a:rPr lang="en-US" dirty="0" smtClean="0">
-                <a:solidFill>
-                  <a:srgbClr val="0066FF"/>
-                </a:solidFill>
-              </a:rPr>
-              <a:t>DEGREE IN MAJOR  (OR MAJOR) ?</a:t>
+              <a:t>DE_LEVEL  DEGREE IN MAJOR  (OR MAJOR) ?</a:t>
             </a:r>
             <a:endParaRPr lang="en-US" dirty="0">
               <a:solidFill>
@@ -15145,14 +15137,14 @@
           <p:nvPr>
             <p:extLst>
               <p:ext uri="{D42A27DB-BD31-4B8C-83A1-F6EECF244321}">
-                <p14:modId xmlns:p14="http://schemas.microsoft.com/office/powerpoint/2010/main" val="1010563724"/>
+                <p14:modId xmlns:p14="http://schemas.microsoft.com/office/powerpoint/2010/main" val="1525647170"/>
               </p:ext>
             </p:extLst>
           </p:nvPr>
         </p:nvGraphicFramePr>
         <p:xfrm>
-          <a:off x="457200" y="1905000"/>
-          <a:ext cx="8305800" cy="4206240"/>
+          <a:off x="322662" y="1828800"/>
+          <a:ext cx="8534400" cy="4282439"/>
         </p:xfrm>
         <a:graphic>
           <a:graphicData uri="http://schemas.openxmlformats.org/drawingml/2006/table">
@@ -15161,11 +15153,11 @@
                 <a:tableStyleId>{5940675A-B579-460E-94D1-54222C63F5DA}</a:tableStyleId>
               </a:tblPr>
               <a:tblGrid>
-                <a:gridCol w="5105400"/>
-                <a:gridCol w="1600200"/>
-                <a:gridCol w="1600200"/>
+                <a:gridCol w="4932727"/>
+                <a:gridCol w="1957431"/>
+                <a:gridCol w="1644242"/>
               </a:tblGrid>
-              <a:tr h="370840">
+              <a:tr h="403418">
                 <a:tc>
                   <a:txBody>
                     <a:bodyPr/>
@@ -15173,7 +15165,7 @@
                     <a:p>
                       <a:r>
                         <a:rPr lang="en-US" sz="2000" dirty="0" smtClean="0"/>
-                        <a:t>Original text</a:t>
+                        <a:t>Original Text</a:t>
                       </a:r>
                       <a:endParaRPr lang="en-US" sz="2000" dirty="0"/>
                     </a:p>
@@ -15221,7 +15213,7 @@
                   </a:tcPr>
                 </a:tc>
               </a:tr>
-              <a:tr h="370840">
+              <a:tr h="403418">
                 <a:tc>
                   <a:txBody>
                     <a:bodyPr/>
@@ -15267,7 +15259,7 @@
                   <a:tcPr/>
                 </a:tc>
               </a:tr>
-              <a:tr h="370840">
+              <a:tr h="403418">
                 <a:tc>
                   <a:txBody>
                     <a:bodyPr/>
@@ -15313,7 +15305,7 @@
                   <a:tcPr/>
                 </a:tc>
               </a:tr>
-              <a:tr h="370840">
+              <a:tr h="837869">
                 <a:tc>
                   <a:txBody>
                     <a:bodyPr/>
@@ -15383,7 +15375,7 @@
                   <a:tcPr/>
                 </a:tc>
               </a:tr>
-              <a:tr h="370840">
+              <a:tr h="713740">
                 <a:tc>
                   <a:txBody>
                     <a:bodyPr/>
@@ -15393,7 +15385,7 @@
                         <a:rPr lang="en-US" sz="2000" dirty="0" smtClean="0">
                           <a:effectLst/>
                         </a:rPr>
-                        <a:t>"experience" , "work experience" , "practical experience" ,"professional experience"</a:t>
+                        <a:t>"work experience" , "practical experience" ,"professional experience"</a:t>
                       </a:r>
                       <a:endParaRPr lang="en-US" sz="2000" dirty="0"/>
                     </a:p>
@@ -15433,7 +15425,7 @@
                   <a:tcPr/>
                 </a:tc>
               </a:tr>
-              <a:tr h="370840">
+              <a:tr h="403418">
                 <a:tc>
                   <a:txBody>
                     <a:bodyPr/>
@@ -15483,7 +15475,7 @@
                   <a:tcPr/>
                 </a:tc>
               </a:tr>
-              <a:tr h="370840">
+              <a:tr h="403418">
                 <a:tc>
                   <a:txBody>
                     <a:bodyPr/>
@@ -15533,7 +15525,7 @@
                   <a:tcPr/>
                 </a:tc>
               </a:tr>
-              <a:tr h="370840">
+              <a:tr h="713740">
                 <a:tc>
                   <a:txBody>
                     <a:bodyPr/>
@@ -25643,13 +25635,8 @@
             </a:r>
             <a:r>
               <a:rPr lang="en-US" altLang="zh-CN" sz="2400" dirty="0" smtClean="0"/>
-              <a:t>labeled sentences to train the </a:t>
-            </a:r>
-            <a:r>
-              <a:rPr lang="en-US" altLang="zh-CN" sz="2400" dirty="0" smtClean="0"/>
-              <a:t>CRFs model</a:t>
-            </a:r>
-            <a:endParaRPr lang="en-US" altLang="zh-CN" sz="2400" dirty="0" smtClean="0"/>
+              <a:t>labeled sentences to train the CRFs model</a:t>
+            </a:r>
           </a:p>
           <a:p>
             <a:pPr marL="0" indent="0">
@@ -26024,8 +26011,8 @@
           <a:chExt cx="0" cy="0"/>
         </a:xfrm>
       </p:grpSpPr>
-      <mc:AlternateContent xmlns:mc="http://schemas.openxmlformats.org/markup-compatibility/2006">
-        <mc:Choice xmlns:a14="http://schemas.microsoft.com/office/drawing/2010/main" Requires="a14">
+      <mc:AlternateContent xmlns:mc="http://schemas.openxmlformats.org/markup-compatibility/2006" xmlns:a14="http://schemas.microsoft.com/office/drawing/2010/main">
+        <mc:Choice Requires="a14">
           <p:sp>
             <p:nvSpPr>
               <p:cNvPr id="2" name="Content Placeholder 1"/>
@@ -26121,11 +26108,15 @@
                 <a14:m>
                   <m:oMath xmlns:m="http://schemas.openxmlformats.org/officeDocument/2006/math">
                     <m:r>
-                      <a:rPr lang="en-US" sz="2800" i="1"/>
+                      <a:rPr lang="en-US" sz="2800" i="1">
+                        <a:latin typeface="Cambria Math" panose="02040503050406030204" pitchFamily="18" charset="0"/>
+                      </a:rPr>
                       <m:t>𝑖</m:t>
                     </m:r>
                     <m:r>
-                      <a:rPr lang="en-US" sz="2800" i="1"/>
+                      <a:rPr lang="en-US" sz="2800" i="1">
+                        <a:latin typeface="Cambria Math" panose="02040503050406030204" pitchFamily="18" charset="0"/>
+                      </a:rPr>
                       <m:t> </m:t>
                     </m:r>
                   </m:oMath>
@@ -26157,18 +26148,24 @@
                     <m:sSub>
                       <m:sSubPr>
                         <m:ctrlPr>
-                          <a:rPr lang="en-US" sz="2800" i="1"/>
+                          <a:rPr lang="en-US" sz="2800" i="1">
+                            <a:latin typeface="Cambria Math" panose="02040503050406030204" pitchFamily="18" charset="0"/>
+                          </a:rPr>
                         </m:ctrlPr>
                       </m:sSubPr>
                       <m:e>
                         <m:r>
-                          <a:rPr lang="en-US" sz="2800" i="1"/>
+                          <a:rPr lang="en-US" sz="2800" i="1">
+                            <a:latin typeface="Cambria Math" panose="02040503050406030204" pitchFamily="18" charset="0"/>
+                          </a:rPr>
                           <m:t>𝑟𝑒𝑙</m:t>
                         </m:r>
                       </m:e>
                       <m:sub>
                         <m:r>
-                          <a:rPr lang="en-US" sz="2800" i="1"/>
+                          <a:rPr lang="en-US" sz="2800" i="1">
+                            <a:latin typeface="Cambria Math" panose="02040503050406030204" pitchFamily="18" charset="0"/>
+                          </a:rPr>
                           <m:t>𝑖</m:t>
                         </m:r>
                       </m:sub>
@@ -26255,11 +26252,15 @@
                 <a14:m>
                   <m:oMath xmlns:m="http://schemas.openxmlformats.org/officeDocument/2006/math">
                     <m:r>
-                      <a:rPr lang="en-US" sz="2800" i="1"/>
+                      <a:rPr lang="en-US" sz="2800" i="1">
+                        <a:latin typeface="Cambria Math" panose="02040503050406030204" pitchFamily="18" charset="0"/>
+                      </a:rPr>
                       <m:t>𝑝</m:t>
                     </m:r>
                     <m:r>
-                      <a:rPr lang="en-US" sz="2800" i="1"/>
+                      <a:rPr lang="en-US" sz="2800" i="1">
+                        <a:latin typeface="Cambria Math" panose="02040503050406030204" pitchFamily="18" charset="0"/>
+                      </a:rPr>
                       <m:t> </m:t>
                     </m:r>
                   </m:oMath>
@@ -26270,15 +26271,7 @@
                       <a:schemeClr val="tx1"/>
                     </a:solidFill>
                   </a:rPr>
-                  <a:t>: the number of first p query </a:t>
-                </a:r>
-                <a:r>
-                  <a:rPr lang="en-US" sz="2800" dirty="0" smtClean="0">
-                    <a:solidFill>
-                      <a:schemeClr val="tx1"/>
-                    </a:solidFill>
-                  </a:rPr>
-                  <a:t>results. </a:t>
+                  <a:t>: the number of first p query results. </a:t>
                 </a:r>
                 <a:endParaRPr lang="en-US" sz="2800" dirty="0">
                   <a:solidFill>
@@ -26289,7 +26282,7 @@
             </p:txBody>
           </p:sp>
         </mc:Choice>
-        <mc:Fallback>
+        <mc:Fallback xmlns="">
           <p:sp>
             <p:nvSpPr>
               <p:cNvPr id="2" name="Content Placeholder 1"/>
@@ -28288,8 +28281,8 @@
           <a:chExt cx="0" cy="0"/>
         </a:xfrm>
       </p:grpSpPr>
-      <mc:AlternateContent xmlns:mc="http://schemas.openxmlformats.org/markup-compatibility/2006">
-        <mc:Choice xmlns:a14="http://schemas.microsoft.com/office/drawing/2010/main" Requires="a14">
+      <mc:AlternateContent xmlns:mc="http://schemas.openxmlformats.org/markup-compatibility/2006" xmlns:a14="http://schemas.microsoft.com/office/drawing/2010/main">
+        <mc:Choice Requires="a14">
           <p:sp>
             <p:nvSpPr>
               <p:cNvPr id="2" name="Content Placeholder 1"/>
@@ -28454,7 +28447,7 @@
             </p:txBody>
           </p:sp>
         </mc:Choice>
-        <mc:Fallback>
+        <mc:Fallback xmlns="">
           <p:sp>
             <p:nvSpPr>
               <p:cNvPr id="2" name="Content Placeholder 1"/>
@@ -29289,11 +29282,7 @@
             </a:r>
             <a:r>
               <a:rPr lang="en-US" sz="2800" dirty="0" smtClean="0"/>
-              <a:t>their personal </a:t>
-            </a:r>
-            <a:r>
-              <a:rPr lang="en-US" sz="2800" dirty="0" smtClean="0"/>
-              <a:t>information. </a:t>
+              <a:t>their personal information. </a:t>
             </a:r>
             <a:endParaRPr lang="en-US" sz="2800" dirty="0"/>
           </a:p>
@@ -29331,17 +29320,12 @@
             </a:r>
             <a:r>
               <a:rPr lang="en-US" sz="2800" dirty="0" smtClean="0"/>
-              <a:t> </a:t>
-            </a:r>
-            <a:r>
-              <a:rPr lang="en-US" sz="2800" dirty="0" smtClean="0"/>
-              <a:t>forms</a:t>
+              <a:t> forms</a:t>
             </a:r>
             <a:r>
               <a:rPr lang="en-US" sz="2800" dirty="0"/>
               <a:t>.</a:t>
             </a:r>
-            <a:endParaRPr lang="en-US" sz="2800" dirty="0"/>
           </a:p>
           <a:p>
             <a:pPr marL="457200" indent="-457200">
@@ -35422,7 +35406,7 @@
         <p:spPr>
           <a:xfrm>
             <a:off x="685800" y="2209800"/>
-            <a:ext cx="8228013" cy="3146326"/>
+            <a:ext cx="8228013" cy="3733800"/>
           </a:xfrm>
         </p:spPr>
         <p:txBody>
@@ -35450,20 +35434,8 @@
               <a:buChar char="v"/>
             </a:pPr>
             <a:r>
-              <a:rPr lang="en-US" smtClean="0"/>
-              <a:t>Collecting </a:t>
-            </a:r>
-            <a:r>
               <a:rPr lang="en-US" dirty="0" smtClean="0"/>
-              <a:t>the </a:t>
-            </a:r>
-            <a:r>
-              <a:rPr lang="en-US" smtClean="0"/>
-              <a:t>front 100 search </a:t>
-            </a:r>
-            <a:r>
-              <a:rPr lang="en-US" dirty="0" smtClean="0"/>
-              <a:t>results</a:t>
+              <a:t>Collecting the front 100 search results</a:t>
             </a:r>
           </a:p>
           <a:p>
@@ -35490,7 +35462,24 @@
             </a:pPr>
             <a:r>
               <a:rPr lang="en-US" dirty="0" smtClean="0"/>
-              <a:t>Using our system to re-rank the results</a:t>
+              <a:t>Using our system to re-rank the </a:t>
+            </a:r>
+            <a:r>
+              <a:rPr lang="en-US" dirty="0" smtClean="0"/>
+              <a:t>results</a:t>
+            </a:r>
+          </a:p>
+          <a:p>
+            <a:pPr marL="457200" indent="-457200">
+              <a:buClr>
+                <a:srgbClr val="C00000"/>
+              </a:buClr>
+              <a:buFont typeface="Wingdings" panose="05000000000000000000" pitchFamily="2" charset="2"/>
+              <a:buChar char="v"/>
+            </a:pPr>
+            <a:r>
+              <a:rPr lang="en-US" altLang="zh-CN" dirty="0" smtClean="0"/>
+              <a:t>Five judges evaluated results manually  </a:t>
             </a:r>
             <a:endParaRPr lang="en-US" dirty="0"/>
           </a:p>
@@ -35614,6 +35603,11 @@
           </p:cNvGraphicFramePr>
           <p:nvPr>
             <p:ph idx="1"/>
+            <p:extLst>
+              <p:ext uri="{D42A27DB-BD31-4B8C-83A1-F6EECF244321}">
+                <p14:modId xmlns:p14="http://schemas.microsoft.com/office/powerpoint/2010/main" val="3783106306"/>
+              </p:ext>
+            </p:extLst>
           </p:nvPr>
         </p:nvGraphicFramePr>
         <p:xfrm>
@@ -35908,7 +35902,7 @@
                     <a:p>
                       <a:r>
                         <a:rPr lang="en-US" altLang="zh-CN" sz="2000" b="0" dirty="0" smtClean="0"/>
-                        <a:t>0.6</a:t>
+                        <a:t>0.7</a:t>
                       </a:r>
                       <a:endParaRPr lang="en-US" sz="2000" b="0" dirty="0"/>
                     </a:p>
@@ -35936,7 +35930,7 @@
                     <a:p>
                       <a:r>
                         <a:rPr lang="en-US" altLang="zh-CN" sz="2000" b="0" dirty="0" smtClean="0"/>
-                        <a:t>13.35</a:t>
+                        <a:t>10.86</a:t>
                       </a:r>
                       <a:endParaRPr lang="en-US" sz="2000" b="0" dirty="0"/>
                     </a:p>
@@ -35950,7 +35944,7 @@
                     <a:p>
                       <a:r>
                         <a:rPr lang="en-US" altLang="zh-CN" sz="2000" b="0" dirty="0" smtClean="0"/>
-                        <a:t>24.39</a:t>
+                        <a:t>27.785</a:t>
                       </a:r>
                       <a:endParaRPr lang="en-US" sz="2000" b="0" dirty="0"/>
                     </a:p>
@@ -35980,7 +35974,7 @@
                     <a:p>
                       <a:r>
                         <a:rPr lang="en-US" altLang="zh-CN" sz="2000" b="0" dirty="0" smtClean="0"/>
-                        <a:t>0.5</a:t>
+                        <a:t>0.65</a:t>
                       </a:r>
                       <a:endParaRPr lang="en-US" sz="2000" b="0" dirty="0"/>
                     </a:p>
@@ -35994,7 +35988,7 @@
                     <a:p>
                       <a:r>
                         <a:rPr lang="en-US" altLang="zh-CN" sz="2000" b="0" dirty="0" smtClean="0"/>
-                        <a:t>0.9</a:t>
+                        <a:t>0.95</a:t>
                       </a:r>
                       <a:endParaRPr lang="en-US" sz="2000" b="0" dirty="0"/>
                     </a:p>
@@ -36008,7 +36002,7 @@
                     <a:p>
                       <a:r>
                         <a:rPr lang="en-US" altLang="zh-CN" sz="2000" b="0" dirty="0" smtClean="0"/>
-                        <a:t>17.8</a:t>
+                        <a:t>24.85</a:t>
                       </a:r>
                       <a:endParaRPr lang="en-US" sz="2000" b="0" dirty="0"/>
                     </a:p>
@@ -36022,7 +36016,7 @@
                     <a:p>
                       <a:r>
                         <a:rPr lang="en-US" altLang="zh-CN" sz="2000" b="0" dirty="0" smtClean="0"/>
-                        <a:t>27.64</a:t>
+                        <a:t>47.06</a:t>
                       </a:r>
                       <a:endParaRPr lang="en-US" sz="2000" b="0" dirty="0"/>
                     </a:p>
@@ -36052,20 +36046,6 @@
                     <a:p>
                       <a:r>
                         <a:rPr lang="en-US" altLang="zh-CN" sz="2000" b="0" dirty="0" smtClean="0"/>
-                        <a:t>0.5</a:t>
-                      </a:r>
-                      <a:endParaRPr lang="en-US" sz="2000" b="0" dirty="0"/>
-                    </a:p>
-                  </a:txBody>
-                  <a:tcPr/>
-                </a:tc>
-                <a:tc>
-                  <a:txBody>
-                    <a:bodyPr/>
-                    <a:lstStyle/>
-                    <a:p>
-                      <a:r>
-                        <a:rPr lang="en-US" altLang="zh-CN" sz="2000" b="0" dirty="0" smtClean="0"/>
                         <a:t>0.7</a:t>
                       </a:r>
                       <a:endParaRPr lang="en-US" sz="2000" b="0" dirty="0"/>
@@ -36080,7 +36060,7 @@
                     <a:p>
                       <a:r>
                         <a:rPr lang="en-US" altLang="zh-CN" sz="2000" b="0" dirty="0" smtClean="0"/>
-                        <a:t>25.62</a:t>
+                        <a:t>0.825</a:t>
                       </a:r>
                       <a:endParaRPr lang="en-US" sz="2000" b="0" dirty="0"/>
                     </a:p>
@@ -36094,7 +36074,21 @@
                     <a:p>
                       <a:r>
                         <a:rPr lang="en-US" altLang="zh-CN" sz="2000" b="0" dirty="0" smtClean="0"/>
-                        <a:t>41.67</a:t>
+                        <a:t>51.97</a:t>
+                      </a:r>
+                      <a:endParaRPr lang="en-US" sz="2000" b="0" dirty="0"/>
+                    </a:p>
+                  </a:txBody>
+                  <a:tcPr/>
+                </a:tc>
+                <a:tc>
+                  <a:txBody>
+                    <a:bodyPr/>
+                    <a:lstStyle/>
+                    <a:p>
+                      <a:r>
+                        <a:rPr lang="en-US" altLang="zh-CN" sz="2000" b="0" dirty="0" smtClean="0"/>
+                        <a:t>73.33</a:t>
                       </a:r>
                       <a:endParaRPr lang="en-US" sz="2000" b="0" dirty="0"/>
                     </a:p>
@@ -37137,7 +37131,7 @@
             <p:ph idx="1"/>
             <p:extLst>
               <p:ext uri="{D42A27DB-BD31-4B8C-83A1-F6EECF244321}">
-                <p14:modId xmlns:p14="http://schemas.microsoft.com/office/powerpoint/2010/main" val="2255633396"/>
+                <p14:modId xmlns:p14="http://schemas.microsoft.com/office/powerpoint/2010/main" val="707005238"/>
               </p:ext>
             </p:extLst>
           </p:nvPr>
@@ -37442,7 +37436,7 @@
                           <a:ea typeface="+mn-ea"/>
                           <a:cs typeface="+mn-cs"/>
                         </a:rPr>
-                        <a:t>0.67</a:t>
+                        <a:t>0.84</a:t>
                       </a:r>
                       <a:endParaRPr lang="en-US" sz="2000" b="0" kern="1200" dirty="0">
                         <a:solidFill>
@@ -37471,7 +37465,7 @@
                           <a:ea typeface="+mn-ea"/>
                           <a:cs typeface="+mn-cs"/>
                         </a:rPr>
-                        <a:t>0.82</a:t>
+                        <a:t>0.87</a:t>
                       </a:r>
                       <a:endParaRPr lang="en-US" sz="2000" b="0" kern="1200" dirty="0">
                         <a:solidFill>
@@ -37500,7 +37494,7 @@
                           <a:ea typeface="+mn-ea"/>
                           <a:cs typeface="+mn-cs"/>
                         </a:rPr>
-                        <a:t>13.15</a:t>
+                        <a:t>23.87</a:t>
                       </a:r>
                       <a:endParaRPr lang="en-US" sz="2000" b="0" kern="1200" dirty="0">
                         <a:solidFill>
@@ -37529,7 +37523,7 @@
                           <a:ea typeface="+mn-ea"/>
                           <a:cs typeface="+mn-cs"/>
                         </a:rPr>
-                        <a:t>16.63</a:t>
+                        <a:t>32.97</a:t>
                       </a:r>
                       <a:endParaRPr lang="en-US" sz="2000" b="0" kern="1200" dirty="0">
                         <a:solidFill>
@@ -37574,7 +37568,7 @@
                           <a:ea typeface="+mn-ea"/>
                           <a:cs typeface="+mn-cs"/>
                         </a:rPr>
-                        <a:t>0.53</a:t>
+                        <a:t>0.72</a:t>
                       </a:r>
                       <a:endParaRPr lang="en-US" sz="2000" b="0" kern="1200" dirty="0">
                         <a:solidFill>
@@ -37603,7 +37597,7 @@
                           <a:ea typeface="+mn-ea"/>
                           <a:cs typeface="+mn-cs"/>
                         </a:rPr>
-                        <a:t>0.81</a:t>
+                        <a:t>0.86</a:t>
                       </a:r>
                       <a:endParaRPr lang="en-US" sz="2000" b="0" kern="1200" dirty="0">
                         <a:solidFill>
@@ -37632,7 +37626,7 @@
                           <a:ea typeface="+mn-ea"/>
                           <a:cs typeface="+mn-cs"/>
                         </a:rPr>
-                        <a:t>16.96</a:t>
+                        <a:t>37.02</a:t>
                       </a:r>
                       <a:endParaRPr lang="en-US" sz="2000" b="0" kern="1200" dirty="0">
                         <a:solidFill>
@@ -37661,7 +37655,7 @@
                           <a:ea typeface="+mn-ea"/>
                           <a:cs typeface="+mn-cs"/>
                         </a:rPr>
-                        <a:t>21.03</a:t>
+                        <a:t>45.57</a:t>
                       </a:r>
                       <a:endParaRPr lang="en-US" sz="2000" b="0" kern="1200" dirty="0">
                         <a:solidFill>
@@ -37706,7 +37700,7 @@
                           <a:ea typeface="+mn-ea"/>
                           <a:cs typeface="+mn-cs"/>
                         </a:rPr>
-                        <a:t>0.41</a:t>
+                        <a:t>0.645</a:t>
                       </a:r>
                       <a:endParaRPr lang="en-US" sz="2000" b="0" kern="1200" dirty="0">
                         <a:solidFill>
@@ -37735,7 +37729,7 @@
                           <a:ea typeface="+mn-ea"/>
                           <a:cs typeface="+mn-cs"/>
                         </a:rPr>
-                        <a:t>0.63</a:t>
+                        <a:t>0.768</a:t>
                       </a:r>
                       <a:endParaRPr lang="en-US" sz="2000" b="0" kern="1200" dirty="0">
                         <a:solidFill>
@@ -37764,7 +37758,7 @@
                           <a:ea typeface="+mn-ea"/>
                           <a:cs typeface="+mn-cs"/>
                         </a:rPr>
-                        <a:t>21.90</a:t>
+                        <a:t>58.70</a:t>
                       </a:r>
                       <a:endParaRPr lang="en-US" sz="2000" b="0" kern="1200" dirty="0">
                         <a:solidFill>
@@ -37793,7 +37787,7 @@
                           <a:ea typeface="+mn-ea"/>
                           <a:cs typeface="+mn-cs"/>
                         </a:rPr>
-                        <a:t>30.02</a:t>
+                        <a:t>66.70</a:t>
                       </a:r>
                       <a:endParaRPr lang="en-US" sz="2000" b="0" kern="1200" dirty="0">
                         <a:solidFill>

--- a/media/Master's thesis-3.pptx
+++ b/media/Master's thesis-3.pptx
@@ -384,7 +384,7 @@
             <a:fld id="{8D49A9A6-EEBE-4A10-B375-E3DE23A9130F}" type="datetimeFigureOut">
               <a:rPr lang="en-US" altLang="en-US"/>
               <a:pPr/>
-              <a:t>1/14/2015</a:t>
+              <a:t>1/18/2015</a:t>
             </a:fld>
             <a:endParaRPr lang="en-US" altLang="en-US"/>
           </a:p>
@@ -538,7 +538,7 @@
           <a:effectLst/>
           <a:extLst>
             <a:ext uri="{91240B29-F687-4f45-9708-019B960494DF}">
-              <a14:hiddenLine xmlns="" xmlns:a14="http://schemas.microsoft.com/office/drawing/2010/main" w="9525">
+              <a14:hiddenLine xmlns:a14="http://schemas.microsoft.com/office/drawing/2010/main" xmlns="" w="9525">
                 <a:solidFill>
                   <a:srgbClr val="000000"/>
                 </a:solidFill>
@@ -548,7 +548,7 @@
               </a14:hiddenLine>
             </a:ext>
             <a:ext uri="{AF507438-7753-43e0-B8FC-AC1667EBCBE1}">
-              <a14:hiddenEffects xmlns="" xmlns:a14="http://schemas.microsoft.com/office/drawing/2010/main">
+              <a14:hiddenEffects xmlns:a14="http://schemas.microsoft.com/office/drawing/2010/main" xmlns="">
                 <a:effectLst>
                   <a:outerShdw blurRad="63500" dist="38099" dir="2700000" algn="ctr" rotWithShape="0">
                     <a:srgbClr val="000000">
@@ -600,14 +600,14 @@
           <a:effectLst/>
           <a:extLst>
             <a:ext uri="{909E8E84-426E-40dd-AFC4-6F175D3DCCD1}">
-              <a14:hiddenFill xmlns="" xmlns:a14="http://schemas.microsoft.com/office/drawing/2010/main">
+              <a14:hiddenFill xmlns:a14="http://schemas.microsoft.com/office/drawing/2010/main" xmlns="">
                 <a:solidFill>
                   <a:srgbClr val="FFFFFF"/>
                 </a:solidFill>
               </a14:hiddenFill>
             </a:ext>
             <a:ext uri="{91240B29-F687-4f45-9708-019B960494DF}">
-              <a14:hiddenLine xmlns="" xmlns:a14="http://schemas.microsoft.com/office/drawing/2010/main" w="9525">
+              <a14:hiddenLine xmlns:a14="http://schemas.microsoft.com/office/drawing/2010/main" xmlns="" w="9525">
                 <a:solidFill>
                   <a:srgbClr val="000000"/>
                 </a:solidFill>
@@ -617,7 +617,7 @@
               </a14:hiddenLine>
             </a:ext>
             <a:ext uri="{AF507438-7753-43e0-B8FC-AC1667EBCBE1}">
-              <a14:hiddenEffects xmlns="" xmlns:a14="http://schemas.microsoft.com/office/drawing/2010/main">
+              <a14:hiddenEffects xmlns:a14="http://schemas.microsoft.com/office/drawing/2010/main" xmlns="">
                 <a:effectLst>
                   <a:outerShdw blurRad="63500" dist="38099" dir="2700000" algn="ctr" rotWithShape="0">
                     <a:srgbClr val="000000">
@@ -669,14 +669,14 @@
           <a:effectLst/>
           <a:extLst>
             <a:ext uri="{909E8E84-426E-40dd-AFC4-6F175D3DCCD1}">
-              <a14:hiddenFill xmlns="" xmlns:a14="http://schemas.microsoft.com/office/drawing/2010/main">
+              <a14:hiddenFill xmlns:a14="http://schemas.microsoft.com/office/drawing/2010/main" xmlns="">
                 <a:solidFill>
                   <a:srgbClr val="FFFFFF"/>
                 </a:solidFill>
               </a14:hiddenFill>
             </a:ext>
             <a:ext uri="{91240B29-F687-4f45-9708-019B960494DF}">
-              <a14:hiddenLine xmlns="" xmlns:a14="http://schemas.microsoft.com/office/drawing/2010/main" w="9525">
+              <a14:hiddenLine xmlns:a14="http://schemas.microsoft.com/office/drawing/2010/main" xmlns="" w="9525">
                 <a:solidFill>
                   <a:srgbClr val="000000"/>
                 </a:solidFill>
@@ -686,7 +686,7 @@
               </a14:hiddenLine>
             </a:ext>
             <a:ext uri="{AF507438-7753-43e0-B8FC-AC1667EBCBE1}">
-              <a14:hiddenEffects xmlns="" xmlns:a14="http://schemas.microsoft.com/office/drawing/2010/main">
+              <a14:hiddenEffects xmlns:a14="http://schemas.microsoft.com/office/drawing/2010/main" xmlns="">
                 <a:effectLst>
                   <a:outerShdw blurRad="63500" dist="38099" dir="2700000" algn="ctr" rotWithShape="0">
                     <a:srgbClr val="000000">
@@ -745,14 +745,14 @@
           <a:effectLst/>
           <a:extLst>
             <a:ext uri="{909E8E84-426E-40dd-AFC4-6F175D3DCCD1}">
-              <a14:hiddenFill xmlns="" xmlns:a14="http://schemas.microsoft.com/office/drawing/2010/main">
+              <a14:hiddenFill xmlns:a14="http://schemas.microsoft.com/office/drawing/2010/main" xmlns="">
                 <a:solidFill>
                   <a:srgbClr val="FFFFFF"/>
                 </a:solidFill>
               </a14:hiddenFill>
             </a:ext>
             <a:ext uri="{AF507438-7753-43e0-B8FC-AC1667EBCBE1}">
-              <a14:hiddenEffects xmlns="" xmlns:a14="http://schemas.microsoft.com/office/drawing/2010/main">
+              <a14:hiddenEffects xmlns:a14="http://schemas.microsoft.com/office/drawing/2010/main" xmlns="">
                 <a:effectLst>
                   <a:outerShdw blurRad="63500" dist="38099" dir="2700000" algn="ctr" rotWithShape="0">
                     <a:schemeClr val="bg2">
@@ -763,7 +763,7 @@
               </a14:hiddenEffects>
             </a:ext>
             <a:ext uri="{FAA26D3D-D897-4be2-8F04-BA451C77F1D7}">
-              <ma14:placeholderFlag xmlns="" xmlns:ma14="http://schemas.microsoft.com/office/mac/drawingml/2011/main" val="1"/>
+              <ma14:placeholderFlag xmlns:ma14="http://schemas.microsoft.com/office/mac/drawingml/2011/main" xmlns="" val="1"/>
             </a:ext>
           </a:extLst>
         </p:spPr>
@@ -793,14 +793,14 @@
           <a:effectLst/>
           <a:extLst>
             <a:ext uri="{909E8E84-426E-40dd-AFC4-6F175D3DCCD1}">
-              <a14:hiddenFill xmlns="" xmlns:a14="http://schemas.microsoft.com/office/drawing/2010/main">
+              <a14:hiddenFill xmlns:a14="http://schemas.microsoft.com/office/drawing/2010/main" xmlns="">
                 <a:solidFill>
                   <a:srgbClr val="FFFFFF"/>
                 </a:solidFill>
               </a14:hiddenFill>
             </a:ext>
             <a:ext uri="{91240B29-F687-4f45-9708-019B960494DF}">
-              <a14:hiddenLine xmlns="" xmlns:a14="http://schemas.microsoft.com/office/drawing/2010/main" w="9525">
+              <a14:hiddenLine xmlns:a14="http://schemas.microsoft.com/office/drawing/2010/main" xmlns="" w="9525">
                 <a:solidFill>
                   <a:srgbClr val="000000"/>
                 </a:solidFill>
@@ -810,7 +810,7 @@
               </a14:hiddenLine>
             </a:ext>
             <a:ext uri="{AF507438-7753-43e0-B8FC-AC1667EBCBE1}">
-              <a14:hiddenEffects xmlns="" xmlns:a14="http://schemas.microsoft.com/office/drawing/2010/main">
+              <a14:hiddenEffects xmlns:a14="http://schemas.microsoft.com/office/drawing/2010/main" xmlns="">
                 <a:effectLst>
                   <a:outerShdw blurRad="63500" dist="38099" dir="2700000" algn="ctr" rotWithShape="0">
                     <a:schemeClr val="bg2">
@@ -821,7 +821,7 @@
               </a14:hiddenEffects>
             </a:ext>
             <a:ext uri="{FAA26D3D-D897-4be2-8F04-BA451C77F1D7}">
-              <ma14:placeholderFlag xmlns="" xmlns:ma14="http://schemas.microsoft.com/office/mac/drawingml/2011/main" val="1"/>
+              <ma14:placeholderFlag xmlns:ma14="http://schemas.microsoft.com/office/mac/drawingml/2011/main" xmlns="" val="1"/>
             </a:ext>
           </a:extLst>
         </p:spPr>
@@ -861,14 +861,14 @@
           <a:effectLst/>
           <a:extLst>
             <a:ext uri="{909E8E84-426E-40dd-AFC4-6F175D3DCCD1}">
-              <a14:hiddenFill xmlns="" xmlns:a14="http://schemas.microsoft.com/office/drawing/2010/main">
+              <a14:hiddenFill xmlns:a14="http://schemas.microsoft.com/office/drawing/2010/main" xmlns="">
                 <a:solidFill>
                   <a:srgbClr val="FFFFFF"/>
                 </a:solidFill>
               </a14:hiddenFill>
             </a:ext>
             <a:ext uri="{91240B29-F687-4f45-9708-019B960494DF}">
-              <a14:hiddenLine xmlns="" xmlns:a14="http://schemas.microsoft.com/office/drawing/2010/main" w="9525">
+              <a14:hiddenLine xmlns:a14="http://schemas.microsoft.com/office/drawing/2010/main" xmlns="" w="9525">
                 <a:solidFill>
                   <a:srgbClr val="000000"/>
                 </a:solidFill>
@@ -878,7 +878,7 @@
               </a14:hiddenLine>
             </a:ext>
             <a:ext uri="{AF507438-7753-43e0-B8FC-AC1667EBCBE1}">
-              <a14:hiddenEffects xmlns="" xmlns:a14="http://schemas.microsoft.com/office/drawing/2010/main">
+              <a14:hiddenEffects xmlns:a14="http://schemas.microsoft.com/office/drawing/2010/main" xmlns="">
                 <a:effectLst>
                   <a:outerShdw blurRad="63500" dist="38099" dir="2700000" algn="ctr" rotWithShape="0">
                     <a:srgbClr val="000000">
@@ -932,14 +932,14 @@
           <a:effectLst/>
           <a:extLst>
             <a:ext uri="{909E8E84-426E-40dd-AFC4-6F175D3DCCD1}">
-              <a14:hiddenFill xmlns="" xmlns:a14="http://schemas.microsoft.com/office/drawing/2010/main">
+              <a14:hiddenFill xmlns:a14="http://schemas.microsoft.com/office/drawing/2010/main" xmlns="">
                 <a:solidFill>
                   <a:srgbClr val="FFFFFF"/>
                 </a:solidFill>
               </a14:hiddenFill>
             </a:ext>
             <a:ext uri="{91240B29-F687-4f45-9708-019B960494DF}">
-              <a14:hiddenLine xmlns="" xmlns:a14="http://schemas.microsoft.com/office/drawing/2010/main" w="9525">
+              <a14:hiddenLine xmlns:a14="http://schemas.microsoft.com/office/drawing/2010/main" xmlns="" w="9525">
                 <a:solidFill>
                   <a:srgbClr val="000000"/>
                 </a:solidFill>
@@ -949,7 +949,7 @@
               </a14:hiddenLine>
             </a:ext>
             <a:ext uri="{AF507438-7753-43e0-B8FC-AC1667EBCBE1}">
-              <a14:hiddenEffects xmlns="" xmlns:a14="http://schemas.microsoft.com/office/drawing/2010/main">
+              <a14:hiddenEffects xmlns:a14="http://schemas.microsoft.com/office/drawing/2010/main" xmlns="">
                 <a:effectLst>
                   <a:outerShdw blurRad="63500" dist="38099" dir="2700000" algn="ctr" rotWithShape="0">
                     <a:schemeClr val="bg2">
@@ -960,7 +960,7 @@
               </a14:hiddenEffects>
             </a:ext>
             <a:ext uri="{FAA26D3D-D897-4be2-8F04-BA451C77F1D7}">
-              <ma14:placeholderFlag xmlns="" xmlns:ma14="http://schemas.microsoft.com/office/mac/drawingml/2011/main" val="1"/>
+              <ma14:placeholderFlag xmlns:ma14="http://schemas.microsoft.com/office/mac/drawingml/2011/main" xmlns="" val="1"/>
             </a:ext>
           </a:extLst>
         </p:spPr>
@@ -2520,14 +2520,14 @@
         <p:spPr>
           <a:extLst>
             <a:ext uri="{909E8E84-426E-40dd-AFC4-6F175D3DCCD1}">
-              <a14:hiddenFill xmlns="" xmlns:a14="http://schemas.microsoft.com/office/drawing/2010/main">
+              <a14:hiddenFill xmlns:a14="http://schemas.microsoft.com/office/drawing/2010/main" xmlns="">
                 <a:solidFill>
                   <a:srgbClr val="FFFFFF"/>
                 </a:solidFill>
               </a14:hiddenFill>
             </a:ext>
             <a:ext uri="{91240B29-F687-4f45-9708-019B960494DF}">
-              <a14:hiddenLine xmlns="" xmlns:a14="http://schemas.microsoft.com/office/drawing/2010/main" w="9525">
+              <a14:hiddenLine xmlns:a14="http://schemas.microsoft.com/office/drawing/2010/main" xmlns="" w="9525">
                 <a:solidFill>
                   <a:srgbClr val="000000"/>
                 </a:solidFill>
@@ -2537,7 +2537,7 @@
               </a14:hiddenLine>
             </a:ext>
             <a:ext uri="{AF507438-7753-43e0-B8FC-AC1667EBCBE1}">
-              <a14:hiddenEffects xmlns="" xmlns:a14="http://schemas.microsoft.com/office/drawing/2010/main">
+              <a14:hiddenEffects xmlns:a14="http://schemas.microsoft.com/office/drawing/2010/main" xmlns="">
                 <a:effectLst>
                   <a:outerShdw blurRad="63500" dist="38099" dir="2700000" algn="ctr" rotWithShape="0">
                     <a:schemeClr val="bg2">
@@ -2548,7 +2548,7 @@
               </a14:hiddenEffects>
             </a:ext>
             <a:ext uri="{FAA26D3D-D897-4be2-8F04-BA451C77F1D7}">
-              <ma14:placeholderFlag xmlns="" xmlns:ma14="http://schemas.microsoft.com/office/mac/drawingml/2011/main" val="1"/>
+              <ma14:placeholderFlag xmlns:ma14="http://schemas.microsoft.com/office/mac/drawingml/2011/main" xmlns="" val="1"/>
             </a:ext>
           </a:extLst>
         </p:spPr>
@@ -2900,14 +2900,14 @@
         <p:spPr>
           <a:extLst>
             <a:ext uri="{909E8E84-426E-40dd-AFC4-6F175D3DCCD1}">
-              <a14:hiddenFill xmlns="" xmlns:a14="http://schemas.microsoft.com/office/drawing/2010/main">
+              <a14:hiddenFill xmlns:a14="http://schemas.microsoft.com/office/drawing/2010/main" xmlns="">
                 <a:solidFill>
                   <a:srgbClr val="FFFFFF"/>
                 </a:solidFill>
               </a14:hiddenFill>
             </a:ext>
             <a:ext uri="{91240B29-F687-4f45-9708-019B960494DF}">
-              <a14:hiddenLine xmlns="" xmlns:a14="http://schemas.microsoft.com/office/drawing/2010/main" w="9525">
+              <a14:hiddenLine xmlns:a14="http://schemas.microsoft.com/office/drawing/2010/main" xmlns="" w="9525">
                 <a:solidFill>
                   <a:srgbClr val="000000"/>
                 </a:solidFill>
@@ -2917,7 +2917,7 @@
               </a14:hiddenLine>
             </a:ext>
             <a:ext uri="{AF507438-7753-43e0-B8FC-AC1667EBCBE1}">
-              <a14:hiddenEffects xmlns="" xmlns:a14="http://schemas.microsoft.com/office/drawing/2010/main">
+              <a14:hiddenEffects xmlns:a14="http://schemas.microsoft.com/office/drawing/2010/main" xmlns="">
                 <a:effectLst>
                   <a:outerShdw blurRad="63500" dist="38099" dir="2700000" algn="ctr" rotWithShape="0">
                     <a:schemeClr val="bg2">
@@ -2928,7 +2928,7 @@
               </a14:hiddenEffects>
             </a:ext>
             <a:ext uri="{FAA26D3D-D897-4be2-8F04-BA451C77F1D7}">
-              <ma14:placeholderFlag xmlns="" xmlns:ma14="http://schemas.microsoft.com/office/mac/drawingml/2011/main" val="1"/>
+              <ma14:placeholderFlag xmlns:ma14="http://schemas.microsoft.com/office/mac/drawingml/2011/main" xmlns="" val="1"/>
             </a:ext>
           </a:extLst>
         </p:spPr>
@@ -3280,14 +3280,14 @@
         <p:spPr>
           <a:extLst>
             <a:ext uri="{909E8E84-426E-40dd-AFC4-6F175D3DCCD1}">
-              <a14:hiddenFill xmlns="" xmlns:a14="http://schemas.microsoft.com/office/drawing/2010/main">
+              <a14:hiddenFill xmlns:a14="http://schemas.microsoft.com/office/drawing/2010/main" xmlns="">
                 <a:solidFill>
                   <a:srgbClr val="FFFFFF"/>
                 </a:solidFill>
               </a14:hiddenFill>
             </a:ext>
             <a:ext uri="{91240B29-F687-4f45-9708-019B960494DF}">
-              <a14:hiddenLine xmlns="" xmlns:a14="http://schemas.microsoft.com/office/drawing/2010/main" w="9525">
+              <a14:hiddenLine xmlns:a14="http://schemas.microsoft.com/office/drawing/2010/main" xmlns="" w="9525">
                 <a:solidFill>
                   <a:srgbClr val="000000"/>
                 </a:solidFill>
@@ -3297,7 +3297,7 @@
               </a14:hiddenLine>
             </a:ext>
             <a:ext uri="{AF507438-7753-43e0-B8FC-AC1667EBCBE1}">
-              <a14:hiddenEffects xmlns="" xmlns:a14="http://schemas.microsoft.com/office/drawing/2010/main">
+              <a14:hiddenEffects xmlns:a14="http://schemas.microsoft.com/office/drawing/2010/main" xmlns="">
                 <a:effectLst>
                   <a:outerShdw blurRad="63500" dist="38099" dir="2700000" algn="ctr" rotWithShape="0">
                     <a:schemeClr val="bg2">
@@ -3308,7 +3308,7 @@
               </a14:hiddenEffects>
             </a:ext>
             <a:ext uri="{FAA26D3D-D897-4be2-8F04-BA451C77F1D7}">
-              <ma14:placeholderFlag xmlns="" xmlns:ma14="http://schemas.microsoft.com/office/mac/drawingml/2011/main" val="1"/>
+              <ma14:placeholderFlag xmlns:ma14="http://schemas.microsoft.com/office/mac/drawingml/2011/main" xmlns="" val="1"/>
             </a:ext>
           </a:extLst>
         </p:spPr>
@@ -6157,7 +6157,7 @@
           <a:effectLst/>
           <a:extLst>
             <a:ext uri="{91240B29-F687-4f45-9708-019B960494DF}">
-              <a14:hiddenLine xmlns="" xmlns:a14="http://schemas.microsoft.com/office/drawing/2010/main" w="9525">
+              <a14:hiddenLine xmlns:a14="http://schemas.microsoft.com/office/drawing/2010/main" xmlns="" w="9525">
                 <a:solidFill>
                   <a:srgbClr val="000000"/>
                 </a:solidFill>
@@ -6167,7 +6167,7 @@
               </a14:hiddenLine>
             </a:ext>
             <a:ext uri="{AF507438-7753-43e0-B8FC-AC1667EBCBE1}">
-              <a14:hiddenEffects xmlns="" xmlns:a14="http://schemas.microsoft.com/office/drawing/2010/main">
+              <a14:hiddenEffects xmlns:a14="http://schemas.microsoft.com/office/drawing/2010/main" xmlns="">
                 <a:effectLst>
                   <a:outerShdw blurRad="63500" dist="38099" dir="2700000" algn="ctr" rotWithShape="0">
                     <a:srgbClr val="000000">
@@ -6220,7 +6220,7 @@
           <a:effectLst/>
           <a:extLst>
             <a:ext uri="{91240B29-F687-4f45-9708-019B960494DF}">
-              <a14:hiddenLine xmlns="" xmlns:a14="http://schemas.microsoft.com/office/drawing/2010/main" w="9525">
+              <a14:hiddenLine xmlns:a14="http://schemas.microsoft.com/office/drawing/2010/main" xmlns="" w="9525">
                 <a:solidFill>
                   <a:srgbClr val="000000"/>
                 </a:solidFill>
@@ -6230,7 +6230,7 @@
               </a14:hiddenLine>
             </a:ext>
             <a:ext uri="{AF507438-7753-43e0-B8FC-AC1667EBCBE1}">
-              <a14:hiddenEffects xmlns="" xmlns:a14="http://schemas.microsoft.com/office/drawing/2010/main">
+              <a14:hiddenEffects xmlns:a14="http://schemas.microsoft.com/office/drawing/2010/main" xmlns="">
                 <a:effectLst>
                   <a:outerShdw blurRad="63500" dist="38099" dir="2700000" algn="ctr" rotWithShape="0">
                     <a:srgbClr val="000000">
@@ -6285,7 +6285,7 @@
           <a:effectLst/>
           <a:extLst>
             <a:ext uri="{91240B29-F687-4f45-9708-019B960494DF}">
-              <a14:hiddenLine xmlns="" xmlns:a14="http://schemas.microsoft.com/office/drawing/2010/main" w="9525">
+              <a14:hiddenLine xmlns:a14="http://schemas.microsoft.com/office/drawing/2010/main" xmlns="" w="9525">
                 <a:solidFill>
                   <a:srgbClr val="000000"/>
                 </a:solidFill>
@@ -6295,7 +6295,7 @@
               </a14:hiddenLine>
             </a:ext>
             <a:ext uri="{AF507438-7753-43e0-B8FC-AC1667EBCBE1}">
-              <a14:hiddenEffects xmlns="" xmlns:a14="http://schemas.microsoft.com/office/drawing/2010/main">
+              <a14:hiddenEffects xmlns:a14="http://schemas.microsoft.com/office/drawing/2010/main" xmlns="">
                 <a:effectLst>
                   <a:outerShdw blurRad="63500" dist="38099" dir="2700000" algn="ctr" rotWithShape="0">
                     <a:srgbClr val="000000">
@@ -6359,7 +6359,7 @@
           <a:effectLst/>
           <a:extLst>
             <a:ext uri="{909E8E84-426E-40dd-AFC4-6F175D3DCCD1}">
-              <a14:hiddenFill xmlns="" xmlns:a14="http://schemas.microsoft.com/office/drawing/2010/main">
+              <a14:hiddenFill xmlns:a14="http://schemas.microsoft.com/office/drawing/2010/main" xmlns="">
                 <a:blipFill dpi="0" rotWithShape="0">
                   <a:blip xmlns:r="http://schemas.openxmlformats.org/officeDocument/2006/relationships"/>
                   <a:srcRect/>
@@ -6370,7 +6370,7 @@
               </a14:hiddenFill>
             </a:ext>
             <a:ext uri="{91240B29-F687-4f45-9708-019B960494DF}">
-              <a14:hiddenLine xmlns="" xmlns:a14="http://schemas.microsoft.com/office/drawing/2010/main" w="9525">
+              <a14:hiddenLine xmlns:a14="http://schemas.microsoft.com/office/drawing/2010/main" xmlns="" w="9525">
                 <a:solidFill>
                   <a:srgbClr val="000000"/>
                 </a:solidFill>
@@ -6380,7 +6380,7 @@
               </a14:hiddenLine>
             </a:ext>
             <a:ext uri="{AF507438-7753-43e0-B8FC-AC1667EBCBE1}">
-              <a14:hiddenEffects xmlns="" xmlns:a14="http://schemas.microsoft.com/office/drawing/2010/main">
+              <a14:hiddenEffects xmlns:a14="http://schemas.microsoft.com/office/drawing/2010/main" xmlns="">
                 <a:effectLst>
                   <a:outerShdw blurRad="63500" dist="38099" dir="2700000" algn="ctr" rotWithShape="0">
                     <a:srgbClr val="000000">
@@ -6418,14 +6418,14 @@
           <a:effectLst/>
           <a:extLst>
             <a:ext uri="{909E8E84-426E-40dd-AFC4-6F175D3DCCD1}">
-              <a14:hiddenFill xmlns="" xmlns:a14="http://schemas.microsoft.com/office/drawing/2010/main">
+              <a14:hiddenFill xmlns:a14="http://schemas.microsoft.com/office/drawing/2010/main" xmlns="">
                 <a:solidFill>
                   <a:srgbClr val="FFFFFF"/>
                 </a:solidFill>
               </a14:hiddenFill>
             </a:ext>
             <a:ext uri="{91240B29-F687-4f45-9708-019B960494DF}">
-              <a14:hiddenLine xmlns="" xmlns:a14="http://schemas.microsoft.com/office/drawing/2010/main" w="9525">
+              <a14:hiddenLine xmlns:a14="http://schemas.microsoft.com/office/drawing/2010/main" xmlns="" w="9525">
                 <a:solidFill>
                   <a:srgbClr val="000000"/>
                 </a:solidFill>
@@ -6435,7 +6435,7 @@
               </a14:hiddenLine>
             </a:ext>
             <a:ext uri="{AF507438-7753-43e0-B8FC-AC1667EBCBE1}">
-              <a14:hiddenEffects xmlns="" xmlns:a14="http://schemas.microsoft.com/office/drawing/2010/main">
+              <a14:hiddenEffects xmlns:a14="http://schemas.microsoft.com/office/drawing/2010/main" xmlns="">
                 <a:effectLst>
                   <a:outerShdw blurRad="63500" dist="38099" dir="2700000" algn="ctr" rotWithShape="0">
                     <a:schemeClr val="bg2">
@@ -6446,7 +6446,7 @@
               </a14:hiddenEffects>
             </a:ext>
             <a:ext uri="{FAA26D3D-D897-4be2-8F04-BA451C77F1D7}">
-              <ma14:placeholderFlag xmlns="" xmlns:ma14="http://schemas.microsoft.com/office/mac/drawingml/2011/main" val="1"/>
+              <ma14:placeholderFlag xmlns:ma14="http://schemas.microsoft.com/office/mac/drawingml/2011/main" xmlns="" val="1"/>
             </a:ext>
           </a:extLst>
         </p:spPr>
@@ -6547,14 +6547,14 @@
           <a:effectLst/>
           <a:extLst>
             <a:ext uri="{909E8E84-426E-40dd-AFC4-6F175D3DCCD1}">
-              <a14:hiddenFill xmlns="" xmlns:a14="http://schemas.microsoft.com/office/drawing/2010/main">
+              <a14:hiddenFill xmlns:a14="http://schemas.microsoft.com/office/drawing/2010/main" xmlns="">
                 <a:solidFill>
                   <a:srgbClr val="FFFFFF"/>
                 </a:solidFill>
               </a14:hiddenFill>
             </a:ext>
             <a:ext uri="{91240B29-F687-4f45-9708-019B960494DF}">
-              <a14:hiddenLine xmlns="" xmlns:a14="http://schemas.microsoft.com/office/drawing/2010/main" w="9525">
+              <a14:hiddenLine xmlns:a14="http://schemas.microsoft.com/office/drawing/2010/main" xmlns="" w="9525">
                 <a:solidFill>
                   <a:srgbClr val="000000"/>
                 </a:solidFill>
@@ -6564,7 +6564,7 @@
               </a14:hiddenLine>
             </a:ext>
             <a:ext uri="{AF507438-7753-43e0-B8FC-AC1667EBCBE1}">
-              <a14:hiddenEffects xmlns="" xmlns:a14="http://schemas.microsoft.com/office/drawing/2010/main">
+              <a14:hiddenEffects xmlns:a14="http://schemas.microsoft.com/office/drawing/2010/main" xmlns="">
                 <a:effectLst>
                   <a:outerShdw blurRad="63500" dist="38099" dir="2700000" algn="ctr" rotWithShape="0">
                     <a:schemeClr val="bg2">
@@ -6575,7 +6575,7 @@
               </a14:hiddenEffects>
             </a:ext>
             <a:ext uri="{FAA26D3D-D897-4be2-8F04-BA451C77F1D7}">
-              <ma14:placeholderFlag xmlns="" xmlns:ma14="http://schemas.microsoft.com/office/mac/drawingml/2011/main" val="1"/>
+              <ma14:placeholderFlag xmlns:ma14="http://schemas.microsoft.com/office/mac/drawingml/2011/main" xmlns="" val="1"/>
             </a:ext>
           </a:extLst>
         </p:spPr>
@@ -7231,7 +7231,7 @@
           <a:effectLst/>
           <a:extLst>
             <a:ext uri="{AF507438-7753-43e0-B8FC-AC1667EBCBE1}">
-              <a14:hiddenEffects xmlns="" xmlns:a14="http://schemas.microsoft.com/office/drawing/2010/main">
+              <a14:hiddenEffects xmlns:a14="http://schemas.microsoft.com/office/drawing/2010/main" xmlns="">
                 <a:effectLst>
                   <a:outerShdw blurRad="63500" dist="38099" dir="2700000" algn="ctr" rotWithShape="0">
                     <a:schemeClr val="bg2">
@@ -8763,7 +8763,7 @@
           <a:effectLst/>
           <a:extLst>
             <a:ext uri="{AF507438-7753-43e0-B8FC-AC1667EBCBE1}">
-              <a14:hiddenEffects xmlns="" xmlns:a14="http://schemas.microsoft.com/office/drawing/2010/main">
+              <a14:hiddenEffects xmlns:a14="http://schemas.microsoft.com/office/drawing/2010/main" xmlns="">
                 <a:effectLst>
                   <a:outerShdw blurRad="63500" dist="38099" dir="2700000" algn="ctr" rotWithShape="0">
                     <a:schemeClr val="bg2">
@@ -9208,7 +9208,7 @@
           <a:effectLst/>
           <a:extLst>
             <a:ext uri="{AF507438-7753-43e0-B8FC-AC1667EBCBE1}">
-              <a14:hiddenEffects xmlns="" xmlns:a14="http://schemas.microsoft.com/office/drawing/2010/main">
+              <a14:hiddenEffects xmlns:a14="http://schemas.microsoft.com/office/drawing/2010/main" xmlns="">
                 <a:effectLst>
                   <a:outerShdw blurRad="63500" dist="38099" dir="2700000" algn="ctr" rotWithShape="0">
                     <a:schemeClr val="bg2">
@@ -11795,7 +11795,7 @@
           <a:effectLst/>
           <a:extLst>
             <a:ext uri="{AF507438-7753-43e0-B8FC-AC1667EBCBE1}">
-              <a14:hiddenEffects xmlns="" xmlns:a14="http://schemas.microsoft.com/office/drawing/2010/main">
+              <a14:hiddenEffects xmlns:a14="http://schemas.microsoft.com/office/drawing/2010/main" xmlns="">
                 <a:effectLst>
                   <a:outerShdw blurRad="63500" dist="38099" dir="2700000" algn="ctr" rotWithShape="0">
                     <a:schemeClr val="bg2">
@@ -12058,14 +12058,14 @@
           <a:effectLst/>
           <a:extLst>
             <a:ext uri="{909E8E84-426E-40dd-AFC4-6F175D3DCCD1}">
-              <a14:hiddenFill xmlns="" xmlns:a14="http://schemas.microsoft.com/office/drawing/2010/main">
+              <a14:hiddenFill xmlns:a14="http://schemas.microsoft.com/office/drawing/2010/main" xmlns="">
                 <a:solidFill>
                   <a:srgbClr val="FFFFFF"/>
                 </a:solidFill>
               </a14:hiddenFill>
             </a:ext>
             <a:ext uri="{91240B29-F687-4f45-9708-019B960494DF}">
-              <a14:hiddenLine xmlns="" xmlns:a14="http://schemas.microsoft.com/office/drawing/2010/main" w="9525">
+              <a14:hiddenLine xmlns:a14="http://schemas.microsoft.com/office/drawing/2010/main" xmlns="" w="9525">
                 <a:solidFill>
                   <a:srgbClr val="000000"/>
                 </a:solidFill>
@@ -12075,7 +12075,7 @@
               </a14:hiddenLine>
             </a:ext>
             <a:ext uri="{AF507438-7753-43e0-B8FC-AC1667EBCBE1}">
-              <a14:hiddenEffects xmlns="" xmlns:a14="http://schemas.microsoft.com/office/drawing/2010/main">
+              <a14:hiddenEffects xmlns:a14="http://schemas.microsoft.com/office/drawing/2010/main" xmlns="">
                 <a:effectLst>
                   <a:outerShdw blurRad="63500" dist="38099" dir="2700000" algn="ctr" rotWithShape="0">
                     <a:schemeClr val="bg2">
@@ -12086,7 +12086,7 @@
               </a14:hiddenEffects>
             </a:ext>
             <a:ext uri="{FAA26D3D-D897-4be2-8F04-BA451C77F1D7}">
-              <ma14:placeholderFlag xmlns="" xmlns:ma14="http://schemas.microsoft.com/office/mac/drawingml/2011/main" val="1"/>
+              <ma14:placeholderFlag xmlns:ma14="http://schemas.microsoft.com/office/mac/drawingml/2011/main" xmlns="" val="1"/>
             </a:ext>
           </a:extLst>
         </p:spPr>
@@ -15695,7 +15695,17 @@
                   </a:schemeClr>
                 </a:solidFill>
               </a:rPr>
-              <a:t>DE_LEVEL (DEGREE)? (IN|OF) </a:t>
+              <a:t>DE_LEVEL </a:t>
+            </a:r>
+            <a:r>
+              <a:rPr lang="en-US" sz="2400" dirty="0" smtClean="0">
+                <a:solidFill>
+                  <a:schemeClr val="accent1">
+                    <a:lumMod val="75000"/>
+                  </a:schemeClr>
+                </a:solidFill>
+              </a:rPr>
+              <a:t>( DEGREE ) ? ( IN | OF ) </a:t>
             </a:r>
             <a:r>
               <a:rPr lang="en-US" sz="2400" dirty="0" smtClean="0">
@@ -15753,7 +15763,27 @@
                   </a:schemeClr>
                 </a:solidFill>
               </a:rPr>
-              <a:t>DE_LEVEL (DEGREE)? PREFER_VBD</a:t>
+              <a:t>DE_LEVEL </a:t>
+            </a:r>
+            <a:r>
+              <a:rPr lang="en-US" sz="2400" dirty="0" smtClean="0">
+                <a:solidFill>
+                  <a:schemeClr val="accent1">
+                    <a:lumMod val="75000"/>
+                  </a:schemeClr>
+                </a:solidFill>
+              </a:rPr>
+              <a:t>( DEGREE ) ? </a:t>
+            </a:r>
+            <a:r>
+              <a:rPr lang="en-US" sz="2400" dirty="0">
+                <a:solidFill>
+                  <a:schemeClr val="accent1">
+                    <a:lumMod val="75000"/>
+                  </a:schemeClr>
+                </a:solidFill>
+              </a:rPr>
+              <a:t>PREFER_VBD</a:t>
             </a:r>
             <a:r>
               <a:rPr lang="en-US" sz="2400" dirty="0" smtClean="0">
@@ -15789,7 +15819,7 @@
                   </a:schemeClr>
                 </a:solidFill>
               </a:rPr>
-              <a:t>DE_LEVEL BE (PREFER_VBD|PREFER_JJ)</a:t>
+              <a:t>DE_LEVEL BE </a:t>
             </a:r>
             <a:r>
               <a:rPr lang="en-US" sz="2400" dirty="0" smtClean="0">
@@ -15799,8 +15829,15 @@
                   </a:schemeClr>
                 </a:solidFill>
               </a:rPr>
-              <a:t>   </a:t>
-            </a:r>
+              <a:t>( PREFER_VBD | PREFER_JJ )   </a:t>
+            </a:r>
+            <a:endParaRPr lang="en-US" sz="2400" dirty="0" smtClean="0">
+              <a:solidFill>
+                <a:schemeClr val="accent1">
+                  <a:lumMod val="75000"/>
+                </a:schemeClr>
+              </a:solidFill>
+            </a:endParaRPr>
           </a:p>
           <a:p>
             <a:pPr marL="385763" indent="-385763">
@@ -15818,7 +15855,27 @@
                   </a:schemeClr>
                 </a:solidFill>
               </a:rPr>
-              <a:t>DE_LEVEL OR (HIGHER_JJ)? (DEGREE_JJ)? DEGREE</a:t>
+              <a:t>DE_LEVEL OR </a:t>
+            </a:r>
+            <a:r>
+              <a:rPr lang="en-US" sz="2400" dirty="0" smtClean="0">
+                <a:solidFill>
+                  <a:schemeClr val="accent1">
+                    <a:lumMod val="75000"/>
+                  </a:schemeClr>
+                </a:solidFill>
+              </a:rPr>
+              <a:t>( HIGHER_JJ ) ? ( DEGREE_JJ ) ? </a:t>
+            </a:r>
+            <a:r>
+              <a:rPr lang="en-US" sz="2400" dirty="0">
+                <a:solidFill>
+                  <a:schemeClr val="accent1">
+                    <a:lumMod val="75000"/>
+                  </a:schemeClr>
+                </a:solidFill>
+              </a:rPr>
+              <a:t>DEGREE</a:t>
             </a:r>
             <a:r>
               <a:rPr lang="en-US" sz="2400" dirty="0" smtClean="0">
@@ -17081,13 +17138,10 @@
           <a:lstStyle/>
           <a:p>
             <a:r>
-              <a:rPr lang="en-US" dirty="0" smtClean="0"/>
-              <a:t>Python </a:t>
-            </a:r>
-            <a:r>
-              <a:rPr lang="en-US" dirty="0"/>
-              <a:t>Pattern Library</a:t>
-            </a:r>
+              <a:rPr lang="en-US" smtClean="0"/>
+              <a:t>Pattern Matching Library</a:t>
+            </a:r>
+            <a:endParaRPr lang="en-US" dirty="0"/>
           </a:p>
         </p:txBody>
       </p:sp>
@@ -17676,7 +17730,7 @@
           <a:effectLst/>
           <a:extLst>
             <a:ext uri="{AF507438-7753-43e0-B8FC-AC1667EBCBE1}">
-              <a14:hiddenEffects xmlns="" xmlns:a14="http://schemas.microsoft.com/office/drawing/2010/main">
+              <a14:hiddenEffects xmlns:a14="http://schemas.microsoft.com/office/drawing/2010/main" xmlns="">
                 <a:effectLst>
                   <a:outerShdw blurRad="63500" dist="38099" dir="2700000" algn="ctr" rotWithShape="0">
                     <a:schemeClr val="bg2">
@@ -18160,7 +18214,7 @@
           <a:effectLst/>
           <a:extLst>
             <a:ext uri="{AF507438-7753-43e0-B8FC-AC1667EBCBE1}">
-              <a14:hiddenEffects xmlns="" xmlns:a14="http://schemas.microsoft.com/office/drawing/2010/main">
+              <a14:hiddenEffects xmlns:a14="http://schemas.microsoft.com/office/drawing/2010/main" xmlns="">
                 <a:effectLst>
                   <a:outerShdw blurRad="63500" dist="38099" dir="2700000" algn="ctr" rotWithShape="0">
                     <a:schemeClr val="bg2">
@@ -21068,7 +21122,7 @@
           <a:effectLst/>
           <a:extLst>
             <a:ext uri="{AF507438-7753-43e0-B8FC-AC1667EBCBE1}">
-              <a14:hiddenEffects xmlns="" xmlns:a14="http://schemas.microsoft.com/office/drawing/2010/main">
+              <a14:hiddenEffects xmlns:a14="http://schemas.microsoft.com/office/drawing/2010/main" xmlns="">
                 <a:effectLst>
                   <a:outerShdw blurRad="63500" dist="38099" dir="2700000" algn="ctr" rotWithShape="0">
                     <a:schemeClr val="bg2">
@@ -21199,7 +21253,7 @@
           <a:effectLst/>
           <a:extLst>
             <a:ext uri="{AF507438-7753-43e0-B8FC-AC1667EBCBE1}">
-              <a14:hiddenEffects xmlns="" xmlns:a14="http://schemas.microsoft.com/office/drawing/2010/main">
+              <a14:hiddenEffects xmlns:a14="http://schemas.microsoft.com/office/drawing/2010/main" xmlns="">
                 <a:effectLst>
                   <a:outerShdw blurRad="63500" dist="38099" dir="2700000" algn="ctr" rotWithShape="0">
                     <a:schemeClr val="bg2">
@@ -22301,7 +22355,7 @@
           <a:effectLst/>
           <a:extLst>
             <a:ext uri="{AF507438-7753-43e0-B8FC-AC1667EBCBE1}">
-              <a14:hiddenEffects xmlns="" xmlns:a14="http://schemas.microsoft.com/office/drawing/2010/main">
+              <a14:hiddenEffects xmlns:a14="http://schemas.microsoft.com/office/drawing/2010/main" xmlns="">
                 <a:effectLst>
                   <a:outerShdw blurRad="63500" dist="38099" dir="2700000" algn="ctr" rotWithShape="0">
                     <a:schemeClr val="bg2">
@@ -30301,7 +30355,7 @@
                   </a14:hiddenEffects>
                 </a:ext>
                 <a:ext uri="{FAA26D3D-D897-4be2-8F04-BA451C77F1D7}">
-                  <ma14:placeholderFlag xmlns="" xmlns:ma14="http://schemas.microsoft.com/office/mac/drawingml/2011/main" val="1"/>
+                  <ma14:placeholderFlag xmlns:ma14="http://schemas.microsoft.com/office/mac/drawingml/2011/main" xmlns="" val="1"/>
                 </a:ext>
               </a:extLst>
             </p:spPr>
@@ -35462,11 +35516,7 @@
             </a:pPr>
             <a:r>
               <a:rPr lang="en-US" dirty="0" smtClean="0"/>
-              <a:t>Using our system to re-rank the </a:t>
-            </a:r>
-            <a:r>
-              <a:rPr lang="en-US" dirty="0" smtClean="0"/>
-              <a:t>results</a:t>
+              <a:t>Using our system to re-rank the results</a:t>
             </a:r>
           </a:p>
           <a:p>
@@ -37973,7 +38023,7 @@
           <a:effectLst/>
           <a:extLst>
             <a:ext uri="{AF507438-7753-43e0-B8FC-AC1667EBCBE1}">
-              <a14:hiddenEffects xmlns="" xmlns:a14="http://schemas.microsoft.com/office/drawing/2010/main">
+              <a14:hiddenEffects xmlns:a14="http://schemas.microsoft.com/office/drawing/2010/main" xmlns="">
                 <a:effectLst>
                   <a:outerShdw blurRad="63500" dist="38099" dir="2700000" algn="ctr" rotWithShape="0">
                     <a:schemeClr val="bg2">
@@ -38055,7 +38105,7 @@
           <a:effectLst/>
           <a:extLst>
             <a:ext uri="{AF507438-7753-43e0-B8FC-AC1667EBCBE1}">
-              <a14:hiddenEffects xmlns="" xmlns:a14="http://schemas.microsoft.com/office/drawing/2010/main">
+              <a14:hiddenEffects xmlns:a14="http://schemas.microsoft.com/office/drawing/2010/main" xmlns="">
                 <a:effectLst>
                   <a:outerShdw blurRad="63500" dist="38099" dir="2700000" algn="ctr" rotWithShape="0">
                     <a:schemeClr val="bg2">
@@ -38301,7 +38351,7 @@
           <a:effectLst/>
           <a:extLst>
             <a:ext uri="{AF507438-7753-43e0-B8FC-AC1667EBCBE1}">
-              <a14:hiddenEffects xmlns="" xmlns:a14="http://schemas.microsoft.com/office/drawing/2010/main">
+              <a14:hiddenEffects xmlns:a14="http://schemas.microsoft.com/office/drawing/2010/main" xmlns="">
                 <a:effectLst>
                   <a:outerShdw blurRad="63500" dist="38099" dir="2700000" algn="ctr" rotWithShape="0">
                     <a:schemeClr val="bg2">
@@ -38806,14 +38856,14 @@
           <a:effectLst/>
           <a:extLst>
             <a:ext uri="{909E8E84-426E-40dd-AFC4-6F175D3DCCD1}">
-              <a14:hiddenFill xmlns="" xmlns:a14="http://schemas.microsoft.com/office/drawing/2010/main">
+              <a14:hiddenFill xmlns:a14="http://schemas.microsoft.com/office/drawing/2010/main" xmlns="">
                 <a:solidFill>
                   <a:srgbClr val="FFFFFF"/>
                 </a:solidFill>
               </a14:hiddenFill>
             </a:ext>
             <a:ext uri="{91240B29-F687-4f45-9708-019B960494DF}">
-              <a14:hiddenLine xmlns="" xmlns:a14="http://schemas.microsoft.com/office/drawing/2010/main" w="9525">
+              <a14:hiddenLine xmlns:a14="http://schemas.microsoft.com/office/drawing/2010/main" xmlns="" w="9525">
                 <a:solidFill>
                   <a:srgbClr val="000000"/>
                 </a:solidFill>
@@ -38823,7 +38873,7 @@
               </a14:hiddenLine>
             </a:ext>
             <a:ext uri="{AF507438-7753-43e0-B8FC-AC1667EBCBE1}">
-              <a14:hiddenEffects xmlns="" xmlns:a14="http://schemas.microsoft.com/office/drawing/2010/main">
+              <a14:hiddenEffects xmlns:a14="http://schemas.microsoft.com/office/drawing/2010/main" xmlns="">
                 <a:effectLst>
                   <a:outerShdw blurRad="63500" dist="38099" dir="2700000" algn="ctr" rotWithShape="0">
                     <a:srgbClr val="000000">
@@ -39566,14 +39616,14 @@
           <a:effectLst/>
           <a:extLst>
             <a:ext uri="{909E8E84-426E-40dd-AFC4-6F175D3DCCD1}">
-              <a14:hiddenFill xmlns="" xmlns:a14="http://schemas.microsoft.com/office/drawing/2010/main">
+              <a14:hiddenFill xmlns:a14="http://schemas.microsoft.com/office/drawing/2010/main" xmlns="">
                 <a:solidFill>
                   <a:srgbClr val="FFFFFF"/>
                 </a:solidFill>
               </a14:hiddenFill>
             </a:ext>
             <a:ext uri="{91240B29-F687-4f45-9708-019B960494DF}">
-              <a14:hiddenLine xmlns="" xmlns:a14="http://schemas.microsoft.com/office/drawing/2010/main" w="9525">
+              <a14:hiddenLine xmlns:a14="http://schemas.microsoft.com/office/drawing/2010/main" xmlns="" w="9525">
                 <a:solidFill>
                   <a:srgbClr val="000000"/>
                 </a:solidFill>
@@ -39583,7 +39633,7 @@
               </a14:hiddenLine>
             </a:ext>
             <a:ext uri="{AF507438-7753-43e0-B8FC-AC1667EBCBE1}">
-              <a14:hiddenEffects xmlns="" xmlns:a14="http://schemas.microsoft.com/office/drawing/2010/main">
+              <a14:hiddenEffects xmlns:a14="http://schemas.microsoft.com/office/drawing/2010/main" xmlns="">
                 <a:effectLst>
                   <a:outerShdw blurRad="63500" dist="38099" dir="2700000" algn="ctr" rotWithShape="0">
                     <a:srgbClr val="000000">
@@ -40497,14 +40547,14 @@
           <a:effectLst/>
           <a:extLst>
             <a:ext uri="{909E8E84-426E-40dd-AFC4-6F175D3DCCD1}">
-              <a14:hiddenFill xmlns="" xmlns:a14="http://schemas.microsoft.com/office/drawing/2010/main">
+              <a14:hiddenFill xmlns:a14="http://schemas.microsoft.com/office/drawing/2010/main" xmlns="">
                 <a:solidFill>
                   <a:srgbClr val="FFFFFF"/>
                 </a:solidFill>
               </a14:hiddenFill>
             </a:ext>
             <a:ext uri="{91240B29-F687-4f45-9708-019B960494DF}">
-              <a14:hiddenLine xmlns="" xmlns:a14="http://schemas.microsoft.com/office/drawing/2010/main" w="9525">
+              <a14:hiddenLine xmlns:a14="http://schemas.microsoft.com/office/drawing/2010/main" xmlns="" w="9525">
                 <a:solidFill>
                   <a:srgbClr val="000000"/>
                 </a:solidFill>
@@ -40514,7 +40564,7 @@
               </a14:hiddenLine>
             </a:ext>
             <a:ext uri="{AF507438-7753-43e0-B8FC-AC1667EBCBE1}">
-              <a14:hiddenEffects xmlns="" xmlns:a14="http://schemas.microsoft.com/office/drawing/2010/main">
+              <a14:hiddenEffects xmlns:a14="http://schemas.microsoft.com/office/drawing/2010/main" xmlns="">
                 <a:effectLst>
                   <a:outerShdw blurRad="63500" dist="38099" dir="2700000" algn="ctr" rotWithShape="0">
                     <a:srgbClr val="000000">
@@ -40820,14 +40870,14 @@
           <a:effectLst/>
           <a:extLst>
             <a:ext uri="{909E8E84-426E-40dd-AFC4-6F175D3DCCD1}">
-              <a14:hiddenFill xmlns="" xmlns:a14="http://schemas.microsoft.com/office/drawing/2010/main">
+              <a14:hiddenFill xmlns:a14="http://schemas.microsoft.com/office/drawing/2010/main" xmlns="">
                 <a:solidFill>
                   <a:srgbClr val="FFFFFF"/>
                 </a:solidFill>
               </a14:hiddenFill>
             </a:ext>
             <a:ext uri="{91240B29-F687-4f45-9708-019B960494DF}">
-              <a14:hiddenLine xmlns="" xmlns:a14="http://schemas.microsoft.com/office/drawing/2010/main" w="9525">
+              <a14:hiddenLine xmlns:a14="http://schemas.microsoft.com/office/drawing/2010/main" xmlns="" w="9525">
                 <a:solidFill>
                   <a:srgbClr val="000000"/>
                 </a:solidFill>
@@ -40837,7 +40887,7 @@
               </a14:hiddenLine>
             </a:ext>
             <a:ext uri="{AF507438-7753-43e0-B8FC-AC1667EBCBE1}">
-              <a14:hiddenEffects xmlns="" xmlns:a14="http://schemas.microsoft.com/office/drawing/2010/main">
+              <a14:hiddenEffects xmlns:a14="http://schemas.microsoft.com/office/drawing/2010/main" xmlns="">
                 <a:effectLst>
                   <a:outerShdw blurRad="63500" dist="38099" dir="2700000" algn="ctr" rotWithShape="0">
                     <a:srgbClr val="000000">
@@ -41651,7 +41701,7 @@
         <a:effectLst/>
         <a:extLst>
           <a:ext uri="{AF507438-7753-43e0-B8FC-AC1667EBCBE1}">
-            <a14:hiddenEffects xmlns="" xmlns:a14="http://schemas.microsoft.com/office/drawing/2010/main">
+            <a14:hiddenEffects xmlns:a14="http://schemas.microsoft.com/office/drawing/2010/main" xmlns="">
               <a:effectLst>
                 <a:outerShdw blurRad="63500" dist="38099" dir="2700000" algn="ctr" rotWithShape="0">
                   <a:schemeClr val="bg2">
@@ -41730,7 +41780,7 @@
         <a:effectLst/>
         <a:extLst>
           <a:ext uri="{AF507438-7753-43e0-B8FC-AC1667EBCBE1}">
-            <a14:hiddenEffects xmlns="" xmlns:a14="http://schemas.microsoft.com/office/drawing/2010/main">
+            <a14:hiddenEffects xmlns:a14="http://schemas.microsoft.com/office/drawing/2010/main" xmlns="">
               <a:effectLst>
                 <a:outerShdw blurRad="63500" dist="38099" dir="2700000" algn="ctr" rotWithShape="0">
                   <a:schemeClr val="bg2">
